--- a/Klausur/Klausurprojekt PZD.pptx
+++ b/Klausur/Klausurprojekt PZD.pptx
@@ -5,18 +5,19 @@
     <p:sldMasterId id="2147483694" r:id="rId4"/>
   </p:sldMasterIdLst>
   <p:notesMasterIdLst>
-    <p:notesMasterId r:id="rId11"/>
+    <p:notesMasterId r:id="rId12"/>
   </p:notesMasterIdLst>
   <p:handoutMasterIdLst>
-    <p:handoutMasterId r:id="rId12"/>
+    <p:handoutMasterId r:id="rId13"/>
   </p:handoutMasterIdLst>
   <p:sldIdLst>
     <p:sldId id="256" r:id="rId5"/>
     <p:sldId id="257" r:id="rId6"/>
     <p:sldId id="258" r:id="rId7"/>
-    <p:sldId id="263" r:id="rId8"/>
+    <p:sldId id="264" r:id="rId8"/>
     <p:sldId id="259" r:id="rId9"/>
-    <p:sldId id="261" r:id="rId10"/>
+    <p:sldId id="265" r:id="rId10"/>
+    <p:sldId id="261" r:id="rId11"/>
   </p:sldIdLst>
   <p:sldSz cx="9144000" cy="6858000" type="screen4x3"/>
   <p:notesSz cx="6858000" cy="9144000"/>
@@ -183,48 +184,6 @@
 </p:cmAuthorLst>
 </file>
 
-<file path=ppt/comments/comment1.xml><?xml version="1.0" encoding="utf-8"?>
-<p:cmLst xmlns:a="http://schemas.openxmlformats.org/drawingml/2006/main" xmlns:r="http://schemas.openxmlformats.org/officeDocument/2006/relationships" xmlns:p="http://schemas.openxmlformats.org/presentationml/2006/main">
-  <p:cm authorId="2" dt="2020-07-04T18:21:31.603" idx="2">
-    <p:pos x="10" y="10"/>
-    <p:text>Diese Folie ggf. auch auf der Tnónspur</p:text>
-    <p:extLst>
-      <p:ext uri="{C676402C-5697-4E1C-873F-D02D1690AC5C}">
-        <p15:threadingInfo xmlns:p15="http://schemas.microsoft.com/office/powerpoint/2012/main" timeZoneBias="-120"/>
-      </p:ext>
-    </p:extLst>
-  </p:cm>
-</p:cmLst>
-</file>
-
-<file path=ppt/comments/comment2.xml><?xml version="1.0" encoding="utf-8"?>
-<p:cmLst xmlns:a="http://schemas.openxmlformats.org/drawingml/2006/main" xmlns:r="http://schemas.openxmlformats.org/officeDocument/2006/relationships" xmlns:p="http://schemas.openxmlformats.org/presentationml/2006/main">
-  <p:cm authorId="2" dt="2020-07-04T18:17:18.308" idx="1">
-    <p:pos x="10" y="10"/>
-    <p:text>Vielleicht noch auf der Tonspur erwähnen, dass wir die Messstationen zusammengerechnet haben</p:text>
-    <p:extLst>
-      <p:ext uri="{C676402C-5697-4E1C-873F-D02D1690AC5C}">
-        <p15:threadingInfo xmlns:p15="http://schemas.microsoft.com/office/powerpoint/2012/main" timeZoneBias="-120"/>
-      </p:ext>
-    </p:extLst>
-  </p:cm>
-</p:cmLst>
-</file>
-
-<file path=ppt/comments/comment3.xml><?xml version="1.0" encoding="utf-8"?>
-<p:cmLst xmlns:a="http://schemas.openxmlformats.org/drawingml/2006/main" xmlns:r="http://schemas.openxmlformats.org/officeDocument/2006/relationships" xmlns:p="http://schemas.openxmlformats.org/presentationml/2006/main">
-  <p:cm authorId="2" dt="2020-07-04T18:22:26.319" idx="3">
-    <p:pos x="10" y="10"/>
-    <p:text>Hier drüber noch eine Folie mit dem Städteranking eines Landes als Barchart</p:text>
-    <p:extLst>
-      <p:ext uri="{C676402C-5697-4E1C-873F-D02D1690AC5C}">
-        <p15:threadingInfo xmlns:p15="http://schemas.microsoft.com/office/powerpoint/2012/main" timeZoneBias="-120"/>
-      </p:ext>
-    </p:extLst>
-  </p:cm>
-</p:cmLst>
-</file>
-
 <file path=ppt/handoutMasters/handoutMaster1.xml><?xml version="1.0" encoding="utf-8"?>
 <p:handoutMaster xmlns:a="http://schemas.openxmlformats.org/drawingml/2006/main" xmlns:r="http://schemas.openxmlformats.org/officeDocument/2006/relationships" xmlns:p="http://schemas.openxmlformats.org/presentationml/2006/main">
   <p:cSld>
@@ -332,7 +291,7 @@
               <a:pPr>
                 <a:defRPr/>
               </a:pPr>
-              <a:t>04.07.2020</a:t>
+              <a:t>05.07.2020</a:t>
             </a:fld>
             <a:endParaRPr lang="de-DE"/>
           </a:p>
@@ -548,7 +507,7 @@
               <a:pPr>
                 <a:defRPr/>
               </a:pPr>
-              <a:t>04.07.2020</a:t>
+              <a:t>05.07.2020</a:t>
             </a:fld>
             <a:endParaRPr lang="de-DE"/>
           </a:p>
@@ -2446,7 +2405,7 @@
               </a14:hiddenLine>
             </a:ext>
             <a:ext uri="{FAA26D3D-D897-4be2-8F04-BA451C77F1D7}">
-              <ma14:placeholderFlag xmlns="" xmlns:ma14="http://schemas.microsoft.com/office/mac/drawingml/2011/main" val="1"/>
+              <ma14:placeholderFlag xmlns:ma14="http://schemas.microsoft.com/office/mac/drawingml/2011/main" xmlns="" val="1"/>
             </a:ext>
           </a:extLst>
         </p:spPr>
@@ -3133,8 +3092,12 @@
           </a:p>
           <a:p>
             <a:r>
+              <a:rPr lang="de-DE" sz="1600" b="0"/>
+              <a:t>Name:</a:t>
+            </a:r>
+            <a:r>
               <a:rPr lang="de-DE" sz="1600" b="0" dirty="0"/>
-              <a:t>Armin Kulla								Hendrik Pieres</a:t>
+              <a:t>			Armin Kulla				Hendrik Pieres</a:t>
             </a:r>
           </a:p>
           <a:p>
@@ -3144,7 +3107,7 @@
             </a:r>
             <a:r>
               <a:rPr lang="de-DE" sz="1600" b="0" dirty="0"/>
-              <a:t>.: 							1071287</a:t>
+              <a:t>.: 		1072875					1071287</a:t>
             </a:r>
           </a:p>
           <a:p>
@@ -3577,7 +3540,7 @@
           <p:cNvPr id="2" name="Titel 1">
             <a:extLst>
               <a:ext uri="{FF2B5EF4-FFF2-40B4-BE49-F238E27FC236}">
-                <a16:creationId xmlns:a16="http://schemas.microsoft.com/office/drawing/2014/main" id="{D06E2D20-C68F-412A-B7D4-5A5F973ED681}"/>
+                <a16:creationId xmlns:a16="http://schemas.microsoft.com/office/drawing/2014/main" id="{A3EC1C98-96F2-49C9-BD2B-A9C1E32EE726}"/>
               </a:ext>
             </a:extLst>
           </p:cNvPr>
@@ -3595,8 +3558,13 @@
           <a:p>
             <a:r>
               <a:rPr lang="de-DE" dirty="0"/>
-              <a:t>Aufbereitung des Datensatzes</a:t>
-            </a:r>
+              <a:t>Aufbereitung des </a:t>
+            </a:r>
+            <a:r>
+              <a:rPr lang="de-DE" dirty="0" err="1"/>
+              <a:t>datensatzes</a:t>
+            </a:r>
+            <a:endParaRPr lang="de-DE" dirty="0"/>
           </a:p>
         </p:txBody>
       </p:sp>
@@ -3605,7 +3573,7 @@
           <p:cNvPr id="4" name="Foliennummernplatzhalter 3">
             <a:extLst>
               <a:ext uri="{FF2B5EF4-FFF2-40B4-BE49-F238E27FC236}">
-                <a16:creationId xmlns:a16="http://schemas.microsoft.com/office/drawing/2014/main" id="{BB25B0F7-6987-4D39-BC91-5D42576D9B1B}"/>
+                <a16:creationId xmlns:a16="http://schemas.microsoft.com/office/drawing/2014/main" id="{29DC089C-77B5-4868-8AF1-9651EF7BA265}"/>
               </a:ext>
             </a:extLst>
           </p:cNvPr>
@@ -3641,10 +3609,10 @@
       </p:sp>
       <p:pic>
         <p:nvPicPr>
-          <p:cNvPr id="6" name="Grafik 5">
+          <p:cNvPr id="8" name="Grafik 7">
             <a:extLst>
               <a:ext uri="{FF2B5EF4-FFF2-40B4-BE49-F238E27FC236}">
-                <a16:creationId xmlns:a16="http://schemas.microsoft.com/office/drawing/2014/main" id="{C1CF6A04-5716-4692-96ED-3568874E3EC1}"/>
+                <a16:creationId xmlns:a16="http://schemas.microsoft.com/office/drawing/2014/main" id="{29F98385-DBF0-4B3B-942C-D8931BE7FD2F}"/>
               </a:ext>
             </a:extLst>
           </p:cNvPr>
@@ -3661,30 +3629,113 @@
         </p:blipFill>
         <p:spPr>
           <a:xfrm>
-            <a:off x="849152" y="1984334"/>
-            <a:ext cx="2491956" cy="3635055"/>
+            <a:off x="1535167" y="1691450"/>
+            <a:ext cx="6073666" cy="1806097"/>
           </a:xfrm>
           <a:prstGeom prst="rect">
             <a:avLst/>
           </a:prstGeom>
         </p:spPr>
       </p:pic>
-      <p:cxnSp>
-        <p:nvCxnSpPr>
-          <p:cNvPr id="9" name="Gerade Verbindung mit Pfeil 8">
+      <p:grpSp>
+        <p:nvGrpSpPr>
+          <p:cNvPr id="12" name="Gruppieren 11">
             <a:extLst>
               <a:ext uri="{FF2B5EF4-FFF2-40B4-BE49-F238E27FC236}">
-                <a16:creationId xmlns:a16="http://schemas.microsoft.com/office/drawing/2014/main" id="{B0F791FE-0AB7-4B9A-A21F-CA9A587EE289}"/>
+                <a16:creationId xmlns:a16="http://schemas.microsoft.com/office/drawing/2014/main" id="{C2E3645A-FBC7-4364-A3BB-E65BCCC70939}"/>
               </a:ext>
             </a:extLst>
           </p:cNvPr>
-          <p:cNvCxnSpPr/>
+          <p:cNvGrpSpPr/>
+          <p:nvPr/>
+        </p:nvGrpSpPr>
+        <p:grpSpPr>
+          <a:xfrm>
+            <a:off x="2217506" y="4556424"/>
+            <a:ext cx="4572397" cy="1775614"/>
+            <a:chOff x="1535167" y="4547546"/>
+            <a:chExt cx="4572397" cy="1775614"/>
+          </a:xfrm>
+        </p:grpSpPr>
+        <p:pic>
+          <p:nvPicPr>
+            <p:cNvPr id="10" name="Grafik 9">
+              <a:extLst>
+                <a:ext uri="{FF2B5EF4-FFF2-40B4-BE49-F238E27FC236}">
+                  <a16:creationId xmlns:a16="http://schemas.microsoft.com/office/drawing/2014/main" id="{234B935B-712B-43E2-A1BA-D4EDC30CEF66}"/>
+                </a:ext>
+              </a:extLst>
+            </p:cNvPr>
+            <p:cNvPicPr>
+              <a:picLocks noChangeAspect="1"/>
+            </p:cNvPicPr>
+            <p:nvPr/>
+          </p:nvPicPr>
+          <p:blipFill>
+            <a:blip r:embed="rId3"/>
+            <a:stretch>
+              <a:fillRect/>
+            </a:stretch>
+          </p:blipFill>
+          <p:spPr>
+            <a:xfrm>
+              <a:off x="1535167" y="4547546"/>
+              <a:ext cx="3596952" cy="1775614"/>
+            </a:xfrm>
+            <a:prstGeom prst="rect">
+              <a:avLst/>
+            </a:prstGeom>
+          </p:spPr>
+        </p:pic>
+        <p:pic>
+          <p:nvPicPr>
+            <p:cNvPr id="11" name="Grafik 10">
+              <a:extLst>
+                <a:ext uri="{FF2B5EF4-FFF2-40B4-BE49-F238E27FC236}">
+                  <a16:creationId xmlns:a16="http://schemas.microsoft.com/office/drawing/2014/main" id="{42FAC29C-F586-4A1A-B656-2EF598022E38}"/>
+                </a:ext>
+              </a:extLst>
+            </p:cNvPr>
+            <p:cNvPicPr>
+              <a:picLocks noChangeAspect="1"/>
+            </p:cNvPicPr>
+            <p:nvPr/>
+          </p:nvPicPr>
+          <p:blipFill>
+            <a:blip r:embed="rId4"/>
+            <a:stretch>
+              <a:fillRect/>
+            </a:stretch>
+          </p:blipFill>
+          <p:spPr>
+            <a:xfrm>
+              <a:off x="5132119" y="4547546"/>
+              <a:ext cx="975445" cy="1760373"/>
+            </a:xfrm>
+            <a:prstGeom prst="rect">
+              <a:avLst/>
+            </a:prstGeom>
+          </p:spPr>
+        </p:pic>
+      </p:grpSp>
+      <p:cxnSp>
+        <p:nvCxnSpPr>
+          <p:cNvPr id="13" name="Gerade Verbindung mit Pfeil 12">
+            <a:extLst>
+              <a:ext uri="{FF2B5EF4-FFF2-40B4-BE49-F238E27FC236}">
+                <a16:creationId xmlns:a16="http://schemas.microsoft.com/office/drawing/2014/main" id="{B3992F09-66D3-4CAA-A5B1-B955CC30AB69}"/>
+              </a:ext>
+            </a:extLst>
+          </p:cNvPr>
+          <p:cNvCxnSpPr>
+            <a:cxnSpLocks/>
+          </p:cNvCxnSpPr>
           <p:nvPr/>
         </p:nvCxnSpPr>
         <p:spPr>
           <a:xfrm>
-            <a:off x="3932807" y="3801861"/>
-            <a:ext cx="1278385" cy="0"/>
+            <a:off x="4580877" y="3739717"/>
+            <a:ext cx="0" cy="486054"/>
           </a:xfrm>
           <a:prstGeom prst="straightConnector1">
             <a:avLst/>
@@ -3708,40 +3759,10 @@
           </a:fontRef>
         </p:style>
       </p:cxnSp>
-      <p:pic>
-        <p:nvPicPr>
-          <p:cNvPr id="10" name="Grafik 9">
-            <a:extLst>
-              <a:ext uri="{FF2B5EF4-FFF2-40B4-BE49-F238E27FC236}">
-                <a16:creationId xmlns:a16="http://schemas.microsoft.com/office/drawing/2014/main" id="{763F76DE-3640-4B2C-91F6-2EECB4158E2D}"/>
-              </a:ext>
-            </a:extLst>
-          </p:cNvPr>
-          <p:cNvPicPr>
-            <a:picLocks noChangeAspect="1"/>
-          </p:cNvPicPr>
-          <p:nvPr/>
-        </p:nvPicPr>
-        <p:blipFill>
-          <a:blip r:embed="rId3"/>
-          <a:stretch>
-            <a:fillRect/>
-          </a:stretch>
-        </p:blipFill>
-        <p:spPr>
-          <a:xfrm>
-            <a:off x="5818133" y="1984334"/>
-            <a:ext cx="2476715" cy="3642676"/>
-          </a:xfrm>
-          <a:prstGeom prst="rect">
-            <a:avLst/>
-          </a:prstGeom>
-        </p:spPr>
-      </p:pic>
     </p:spTree>
     <p:extLst>
       <p:ext uri="{BB962C8B-B14F-4D97-AF65-F5344CB8AC3E}">
-        <p14:creationId xmlns:p14="http://schemas.microsoft.com/office/powerpoint/2010/main" val="2745447849"/>
+        <p14:creationId xmlns:p14="http://schemas.microsoft.com/office/powerpoint/2010/main" val="500302294"/>
       </p:ext>
     </p:extLst>
   </p:cSld>
@@ -3837,10 +3858,10 @@
       </p:sp>
       <p:pic>
         <p:nvPicPr>
-          <p:cNvPr id="5" name="Grafik 4">
+          <p:cNvPr id="3" name="Grafik 2">
             <a:extLst>
               <a:ext uri="{FF2B5EF4-FFF2-40B4-BE49-F238E27FC236}">
-                <a16:creationId xmlns:a16="http://schemas.microsoft.com/office/drawing/2014/main" id="{EC7BFD1D-3673-4568-BB88-27D1E0969D69}"/>
+                <a16:creationId xmlns:a16="http://schemas.microsoft.com/office/drawing/2014/main" id="{33D781CC-CADB-4E5A-AA5A-CFC243363BE9}"/>
               </a:ext>
             </a:extLst>
           </p:cNvPr>
@@ -3857,8 +3878,8 @@
         </p:blipFill>
         <p:spPr>
           <a:xfrm>
-            <a:off x="2591313" y="1757977"/>
-            <a:ext cx="3824784" cy="3342045"/>
+            <a:off x="2461765" y="1580619"/>
+            <a:ext cx="4220469" cy="3696762"/>
           </a:xfrm>
           <a:prstGeom prst="rect">
             <a:avLst/>
@@ -3900,6 +3921,134 @@
           <p:cNvPr id="2" name="Titel 1">
             <a:extLst>
               <a:ext uri="{FF2B5EF4-FFF2-40B4-BE49-F238E27FC236}">
+                <a16:creationId xmlns:a16="http://schemas.microsoft.com/office/drawing/2014/main" id="{3AC27440-AFF9-4A6B-90D0-5E2D0B5B9C05}"/>
+              </a:ext>
+            </a:extLst>
+          </p:cNvPr>
+          <p:cNvSpPr>
+            <a:spLocks noGrp="1"/>
+          </p:cNvSpPr>
+          <p:nvPr>
+            <p:ph type="title"/>
+          </p:nvPr>
+        </p:nvSpPr>
+        <p:spPr/>
+        <p:txBody>
+          <a:bodyPr/>
+          <a:lstStyle/>
+          <a:p>
+            <a:r>
+              <a:rPr lang="de-DE" dirty="0" err="1"/>
+              <a:t>stadtranking</a:t>
+            </a:r>
+            <a:endParaRPr lang="de-DE" dirty="0"/>
+          </a:p>
+        </p:txBody>
+      </p:sp>
+      <p:sp>
+        <p:nvSpPr>
+          <p:cNvPr id="4" name="Foliennummernplatzhalter 3">
+            <a:extLst>
+              <a:ext uri="{FF2B5EF4-FFF2-40B4-BE49-F238E27FC236}">
+                <a16:creationId xmlns:a16="http://schemas.microsoft.com/office/drawing/2014/main" id="{BDF3F014-43E8-4AFA-98C4-9F67A99153D4}"/>
+              </a:ext>
+            </a:extLst>
+          </p:cNvPr>
+          <p:cNvSpPr>
+            <a:spLocks noGrp="1"/>
+          </p:cNvSpPr>
+          <p:nvPr>
+            <p:ph type="sldNum" sz="quarter" idx="16"/>
+          </p:nvPr>
+        </p:nvSpPr>
+        <p:spPr/>
+        <p:txBody>
+          <a:bodyPr/>
+          <a:lstStyle/>
+          <a:p>
+            <a:pPr>
+              <a:defRPr/>
+            </a:pPr>
+            <a:r>
+              <a:rPr lang="de-DE"/>
+              <a:t>Folie </a:t>
+            </a:r>
+            <a:fld id="{35E7000C-7611-1A4F-AD21-C57D6B4C52E4}" type="slidenum">
+              <a:rPr lang="de-DE" smtClean="0"/>
+              <a:pPr>
+                <a:defRPr/>
+              </a:pPr>
+              <a:t>6</a:t>
+            </a:fld>
+            <a:endParaRPr lang="de-DE"/>
+          </a:p>
+        </p:txBody>
+      </p:sp>
+      <p:pic>
+        <p:nvPicPr>
+          <p:cNvPr id="8" name="Grafik 7">
+            <a:extLst>
+              <a:ext uri="{FF2B5EF4-FFF2-40B4-BE49-F238E27FC236}">
+                <a16:creationId xmlns:a16="http://schemas.microsoft.com/office/drawing/2014/main" id="{6629A178-95B5-417B-B100-DF982DE6E350}"/>
+              </a:ext>
+            </a:extLst>
+          </p:cNvPr>
+          <p:cNvPicPr>
+            <a:picLocks noChangeAspect="1"/>
+          </p:cNvPicPr>
+          <p:nvPr/>
+        </p:nvPicPr>
+        <p:blipFill>
+          <a:blip r:embed="rId2"/>
+          <a:stretch>
+            <a:fillRect/>
+          </a:stretch>
+        </p:blipFill>
+        <p:spPr>
+          <a:xfrm>
+            <a:off x="1929798" y="1752218"/>
+            <a:ext cx="5284404" cy="3353564"/>
+          </a:xfrm>
+          <a:prstGeom prst="rect">
+            <a:avLst/>
+          </a:prstGeom>
+        </p:spPr>
+      </p:pic>
+    </p:spTree>
+    <p:extLst>
+      <p:ext uri="{BB962C8B-B14F-4D97-AF65-F5344CB8AC3E}">
+        <p14:creationId xmlns:p14="http://schemas.microsoft.com/office/powerpoint/2010/main" val="1435281485"/>
+      </p:ext>
+    </p:extLst>
+  </p:cSld>
+  <p:clrMapOvr>
+    <a:masterClrMapping/>
+  </p:clrMapOvr>
+</p:sld>
+</file>
+
+<file path=ppt/slides/slide7.xml><?xml version="1.0" encoding="utf-8"?>
+<p:sld xmlns:a="http://schemas.openxmlformats.org/drawingml/2006/main" xmlns:r="http://schemas.openxmlformats.org/officeDocument/2006/relationships" xmlns:p="http://schemas.openxmlformats.org/presentationml/2006/main">
+  <p:cSld>
+    <p:spTree>
+      <p:nvGrpSpPr>
+        <p:cNvPr id="1" name=""/>
+        <p:cNvGrpSpPr/>
+        <p:nvPr/>
+      </p:nvGrpSpPr>
+      <p:grpSpPr>
+        <a:xfrm>
+          <a:off x="0" y="0"/>
+          <a:ext cx="0" cy="0"/>
+          <a:chOff x="0" y="0"/>
+          <a:chExt cx="0" cy="0"/>
+        </a:xfrm>
+      </p:grpSpPr>
+      <p:sp>
+        <p:nvSpPr>
+          <p:cNvPr id="2" name="Titel 1">
+            <a:extLst>
+              <a:ext uri="{FF2B5EF4-FFF2-40B4-BE49-F238E27FC236}">
                 <a16:creationId xmlns:a16="http://schemas.microsoft.com/office/drawing/2014/main" id="{8D8F95D2-3E32-401E-B95C-3D0EF6F36586}"/>
               </a:ext>
             </a:extLst>
@@ -3957,7 +4106,7 @@
               <a:pPr>
                 <a:defRPr/>
               </a:pPr>
-              <a:t>6</a:t>
+              <a:t>7</a:t>
             </a:fld>
             <a:endParaRPr lang="de-DE"/>
           </a:p>
@@ -3985,8 +4134,38 @@
         </p:blipFill>
         <p:spPr>
           <a:xfrm>
-            <a:off x="1453300" y="1840995"/>
-            <a:ext cx="6237400" cy="4391130"/>
+            <a:off x="758437" y="2110665"/>
+            <a:ext cx="3745268" cy="2636669"/>
+          </a:xfrm>
+          <a:prstGeom prst="rect">
+            <a:avLst/>
+          </a:prstGeom>
+        </p:spPr>
+      </p:pic>
+      <p:pic>
+        <p:nvPicPr>
+          <p:cNvPr id="5" name="Grafik 4">
+            <a:extLst>
+              <a:ext uri="{FF2B5EF4-FFF2-40B4-BE49-F238E27FC236}">
+                <a16:creationId xmlns:a16="http://schemas.microsoft.com/office/drawing/2014/main" id="{180FDF41-797F-49F8-8ED4-E0FE140FCB15}"/>
+              </a:ext>
+            </a:extLst>
+          </p:cNvPr>
+          <p:cNvPicPr>
+            <a:picLocks noChangeAspect="1"/>
+          </p:cNvPicPr>
+          <p:nvPr/>
+        </p:nvPicPr>
+        <p:blipFill>
+          <a:blip r:embed="rId3"/>
+          <a:stretch>
+            <a:fillRect/>
+          </a:stretch>
+        </p:blipFill>
+        <p:spPr>
+          <a:xfrm>
+            <a:off x="4640297" y="2111558"/>
+            <a:ext cx="3744000" cy="2635776"/>
           </a:xfrm>
           <a:prstGeom prst="rect">
             <a:avLst/>
@@ -4965,24 +5144,6 @@
 </file>
 
 <file path=customXml/item1.xml><?xml version="1.0" encoding="utf-8"?>
-<p:properties xmlns:p="http://schemas.microsoft.com/office/2006/metadata/properties" xmlns:xsi="http://www.w3.org/2001/XMLSchema-instance" xmlns:pc="http://schemas.microsoft.com/office/infopath/2007/PartnerControls">
-  <documentManagement>
-    <PublishingExpirationDate xmlns="http://schemas.microsoft.com/sharepoint/v3" xsi:nil="true"/>
-    <PublishingStartDate xmlns="http://schemas.microsoft.com/sharepoint/v3" xsi:nil="true"/>
-  </documentManagement>
-</p:properties>
-</file>
-
-<file path=customXml/item2.xml><?xml version="1.0" encoding="utf-8"?>
-<?mso-contentType ?>
-<FormTemplates xmlns="http://schemas.microsoft.com/sharepoint/v3/contenttype/forms">
-  <Display>DocumentLibraryForm</Display>
-  <Edit>DocumentLibraryForm</Edit>
-  <New>DocumentLibraryForm</New>
-</FormTemplates>
-</file>
-
-<file path=customXml/item3.xml><?xml version="1.0" encoding="utf-8"?>
 <ct:contentTypeSchema xmlns:ct="http://schemas.microsoft.com/office/2006/metadata/contentType" xmlns:ma="http://schemas.microsoft.com/office/2006/metadata/properties/metaAttributes" ct:_="" ma:_="" ma:contentTypeName="Dokument" ma:contentTypeID="0x010100A9BF3A695EC2034AAE4DB9E7D5E75338" ma:contentTypeVersion="1" ma:contentTypeDescription="Ein neues Dokument erstellen." ma:contentTypeScope="" ma:versionID="2482249281ae2dbb1e7d275a1d8e4177">
   <xsd:schema xmlns:xsd="http://www.w3.org/2001/XMLSchema" xmlns:xs="http://www.w3.org/2001/XMLSchema" xmlns:p="http://schemas.microsoft.com/office/2006/metadata/properties" xmlns:ns1="http://schemas.microsoft.com/sharepoint/v3" targetNamespace="http://schemas.microsoft.com/office/2006/metadata/properties" ma:root="true" ma:fieldsID="62d986c303d7a4c351c7c2bc39a3db9c" ns1:_="">
     <xsd:import namespace="http://schemas.microsoft.com/sharepoint/v3"/>
@@ -5114,31 +5275,25 @@
 </ct:contentTypeSchema>
 </file>
 
-<file path=customXml/itemProps1.xml><?xml version="1.0" encoding="utf-8"?>
-<ds:datastoreItem xmlns:ds="http://schemas.openxmlformats.org/officeDocument/2006/customXml" ds:itemID="{E1941F1E-6F16-4904-8673-FDFB017F5F74}">
-  <ds:schemaRefs>
-    <ds:schemaRef ds:uri="http://schemas.microsoft.com/office/2006/metadata/properties"/>
-    <ds:schemaRef ds:uri="http://schemas.openxmlformats.org/package/2006/metadata/core-properties"/>
-    <ds:schemaRef ds:uri="http://schemas.microsoft.com/office/2006/documentManagement/types"/>
-    <ds:schemaRef ds:uri="http://purl.org/dc/dcmitype/"/>
-    <ds:schemaRef ds:uri="http://purl.org/dc/elements/1.1/"/>
-    <ds:schemaRef ds:uri="http://schemas.microsoft.com/office/infopath/2007/PartnerControls"/>
-    <ds:schemaRef ds:uri="http://purl.org/dc/terms/"/>
-    <ds:schemaRef ds:uri="http://schemas.microsoft.com/sharepoint/v3"/>
-    <ds:schemaRef ds:uri="http://www.w3.org/XML/1998/namespace"/>
-  </ds:schemaRefs>
-</ds:datastoreItem>
+<file path=customXml/item2.xml><?xml version="1.0" encoding="utf-8"?>
+<?mso-contentType ?>
+<FormTemplates xmlns="http://schemas.microsoft.com/sharepoint/v3/contenttype/forms">
+  <Display>DocumentLibraryForm</Display>
+  <Edit>DocumentLibraryForm</Edit>
+  <New>DocumentLibraryForm</New>
+</FormTemplates>
 </file>
 
-<file path=customXml/itemProps2.xml><?xml version="1.0" encoding="utf-8"?>
-<ds:datastoreItem xmlns:ds="http://schemas.openxmlformats.org/officeDocument/2006/customXml" ds:itemID="{AB7D5C0A-FE65-4777-82AF-D685DD225982}">
-  <ds:schemaRefs>
-    <ds:schemaRef ds:uri="http://schemas.microsoft.com/sharepoint/v3/contenttype/forms"/>
-  </ds:schemaRefs>
-</ds:datastoreItem>
+<file path=customXml/item3.xml><?xml version="1.0" encoding="utf-8"?>
+<p:properties xmlns:p="http://schemas.microsoft.com/office/2006/metadata/properties" xmlns:xsi="http://www.w3.org/2001/XMLSchema-instance" xmlns:pc="http://schemas.microsoft.com/office/infopath/2007/PartnerControls">
+  <documentManagement>
+    <PublishingExpirationDate xmlns="http://schemas.microsoft.com/sharepoint/v3" xsi:nil="true"/>
+    <PublishingStartDate xmlns="http://schemas.microsoft.com/sharepoint/v3" xsi:nil="true"/>
+  </documentManagement>
+</p:properties>
 </file>
 
-<file path=customXml/itemProps3.xml><?xml version="1.0" encoding="utf-8"?>
+<file path=customXml/itemProps1.xml><?xml version="1.0" encoding="utf-8"?>
 <ds:datastoreItem xmlns:ds="http://schemas.openxmlformats.org/officeDocument/2006/customXml" ds:itemID="{248F8CFE-4457-42AC-A267-1C4F5139867C}">
   <ds:schemaRefs>
     <ds:schemaRef ds:uri="http://schemas.microsoft.com/office/2006/metadata/contentType"/>
@@ -5154,4 +5309,28 @@
     <ds:schemaRef ds:uri="http://schemas.microsoft.com/internal/obd"/>
   </ds:schemaRefs>
 </ds:datastoreItem>
+</file>
+
+<file path=customXml/itemProps2.xml><?xml version="1.0" encoding="utf-8"?>
+<ds:datastoreItem xmlns:ds="http://schemas.openxmlformats.org/officeDocument/2006/customXml" ds:itemID="{AB7D5C0A-FE65-4777-82AF-D685DD225982}">
+  <ds:schemaRefs>
+    <ds:schemaRef ds:uri="http://schemas.microsoft.com/sharepoint/v3/contenttype/forms"/>
+  </ds:schemaRefs>
+</ds:datastoreItem>
+</file>
+
+<file path=customXml/itemProps3.xml><?xml version="1.0" encoding="utf-8"?>
+<ds:datastoreItem xmlns:ds="http://schemas.openxmlformats.org/officeDocument/2006/customXml" ds:itemID="{E1941F1E-6F16-4904-8673-FDFB017F5F74}">
+  <ds:schemaRefs>
+    <ds:schemaRef ds:uri="http://schemas.microsoft.com/office/2006/metadata/properties"/>
+    <ds:schemaRef ds:uri="http://schemas.openxmlformats.org/package/2006/metadata/core-properties"/>
+    <ds:schemaRef ds:uri="http://schemas.microsoft.com/office/2006/documentManagement/types"/>
+    <ds:schemaRef ds:uri="http://purl.org/dc/dcmitype/"/>
+    <ds:schemaRef ds:uri="http://purl.org/dc/elements/1.1/"/>
+    <ds:schemaRef ds:uri="http://schemas.microsoft.com/office/infopath/2007/PartnerControls"/>
+    <ds:schemaRef ds:uri="http://purl.org/dc/terms/"/>
+    <ds:schemaRef ds:uri="http://schemas.microsoft.com/sharepoint/v3"/>
+    <ds:schemaRef ds:uri="http://www.w3.org/XML/1998/namespace"/>
+  </ds:schemaRefs>
+</ds:datastoreItem>
 </file>
--- a/Klausur/Klausurprojekt PZD.pptx
+++ b/Klausur/Klausurprojekt PZD.pptx
@@ -2405,7 +2405,7 @@
               </a14:hiddenLine>
             </a:ext>
             <a:ext uri="{FAA26D3D-D897-4be2-8F04-BA451C77F1D7}">
-              <ma14:placeholderFlag xmlns:ma14="http://schemas.microsoft.com/office/mac/drawingml/2011/main" xmlns="" val="1"/>
+              <ma14:placeholderFlag xmlns="" xmlns:ma14="http://schemas.microsoft.com/office/mac/drawingml/2011/main" val="1"/>
             </a:ext>
           </a:extLst>
         </p:spPr>
@@ -3858,10 +3858,10 @@
       </p:sp>
       <p:pic>
         <p:nvPicPr>
-          <p:cNvPr id="3" name="Grafik 2">
+          <p:cNvPr id="5" name="Grafik 4">
             <a:extLst>
               <a:ext uri="{FF2B5EF4-FFF2-40B4-BE49-F238E27FC236}">
-                <a16:creationId xmlns:a16="http://schemas.microsoft.com/office/drawing/2014/main" id="{33D781CC-CADB-4E5A-AA5A-CFC243363BE9}"/>
+                <a16:creationId xmlns:a16="http://schemas.microsoft.com/office/drawing/2014/main" id="{F1FFAA33-240E-4050-8232-B435A355DB09}"/>
               </a:ext>
             </a:extLst>
           </p:cNvPr>
@@ -3878,8 +3878,8 @@
         </p:blipFill>
         <p:spPr>
           <a:xfrm>
-            <a:off x="2461765" y="1580619"/>
-            <a:ext cx="4220469" cy="3696762"/>
+            <a:off x="2421147" y="1608657"/>
+            <a:ext cx="4301705" cy="3640686"/>
           </a:xfrm>
           <a:prstGeom prst="rect">
             <a:avLst/>
@@ -5144,6 +5144,24 @@
 </file>
 
 <file path=customXml/item1.xml><?xml version="1.0" encoding="utf-8"?>
+<p:properties xmlns:p="http://schemas.microsoft.com/office/2006/metadata/properties" xmlns:xsi="http://www.w3.org/2001/XMLSchema-instance" xmlns:pc="http://schemas.microsoft.com/office/infopath/2007/PartnerControls">
+  <documentManagement>
+    <PublishingExpirationDate xmlns="http://schemas.microsoft.com/sharepoint/v3" xsi:nil="true"/>
+    <PublishingStartDate xmlns="http://schemas.microsoft.com/sharepoint/v3" xsi:nil="true"/>
+  </documentManagement>
+</p:properties>
+</file>
+
+<file path=customXml/item2.xml><?xml version="1.0" encoding="utf-8"?>
+<?mso-contentType ?>
+<FormTemplates xmlns="http://schemas.microsoft.com/sharepoint/v3/contenttype/forms">
+  <Display>DocumentLibraryForm</Display>
+  <Edit>DocumentLibraryForm</Edit>
+  <New>DocumentLibraryForm</New>
+</FormTemplates>
+</file>
+
+<file path=customXml/item3.xml><?xml version="1.0" encoding="utf-8"?>
 <ct:contentTypeSchema xmlns:ct="http://schemas.microsoft.com/office/2006/metadata/contentType" xmlns:ma="http://schemas.microsoft.com/office/2006/metadata/properties/metaAttributes" ct:_="" ma:_="" ma:contentTypeName="Dokument" ma:contentTypeID="0x010100A9BF3A695EC2034AAE4DB9E7D5E75338" ma:contentTypeVersion="1" ma:contentTypeDescription="Ein neues Dokument erstellen." ma:contentTypeScope="" ma:versionID="2482249281ae2dbb1e7d275a1d8e4177">
   <xsd:schema xmlns:xsd="http://www.w3.org/2001/XMLSchema" xmlns:xs="http://www.w3.org/2001/XMLSchema" xmlns:p="http://schemas.microsoft.com/office/2006/metadata/properties" xmlns:ns1="http://schemas.microsoft.com/sharepoint/v3" targetNamespace="http://schemas.microsoft.com/office/2006/metadata/properties" ma:root="true" ma:fieldsID="62d986c303d7a4c351c7c2bc39a3db9c" ns1:_="">
     <xsd:import namespace="http://schemas.microsoft.com/sharepoint/v3"/>
@@ -5275,25 +5293,31 @@
 </ct:contentTypeSchema>
 </file>
 
-<file path=customXml/item2.xml><?xml version="1.0" encoding="utf-8"?>
-<?mso-contentType ?>
-<FormTemplates xmlns="http://schemas.microsoft.com/sharepoint/v3/contenttype/forms">
-  <Display>DocumentLibraryForm</Display>
-  <Edit>DocumentLibraryForm</Edit>
-  <New>DocumentLibraryForm</New>
-</FormTemplates>
+<file path=customXml/itemProps1.xml><?xml version="1.0" encoding="utf-8"?>
+<ds:datastoreItem xmlns:ds="http://schemas.openxmlformats.org/officeDocument/2006/customXml" ds:itemID="{E1941F1E-6F16-4904-8673-FDFB017F5F74}">
+  <ds:schemaRefs>
+    <ds:schemaRef ds:uri="http://schemas.microsoft.com/office/2006/metadata/properties"/>
+    <ds:schemaRef ds:uri="http://schemas.openxmlformats.org/package/2006/metadata/core-properties"/>
+    <ds:schemaRef ds:uri="http://schemas.microsoft.com/office/2006/documentManagement/types"/>
+    <ds:schemaRef ds:uri="http://purl.org/dc/dcmitype/"/>
+    <ds:schemaRef ds:uri="http://purl.org/dc/elements/1.1/"/>
+    <ds:schemaRef ds:uri="http://schemas.microsoft.com/office/infopath/2007/PartnerControls"/>
+    <ds:schemaRef ds:uri="http://purl.org/dc/terms/"/>
+    <ds:schemaRef ds:uri="http://schemas.microsoft.com/sharepoint/v3"/>
+    <ds:schemaRef ds:uri="http://www.w3.org/XML/1998/namespace"/>
+  </ds:schemaRefs>
+</ds:datastoreItem>
 </file>
 
-<file path=customXml/item3.xml><?xml version="1.0" encoding="utf-8"?>
-<p:properties xmlns:p="http://schemas.microsoft.com/office/2006/metadata/properties" xmlns:xsi="http://www.w3.org/2001/XMLSchema-instance" xmlns:pc="http://schemas.microsoft.com/office/infopath/2007/PartnerControls">
-  <documentManagement>
-    <PublishingExpirationDate xmlns="http://schemas.microsoft.com/sharepoint/v3" xsi:nil="true"/>
-    <PublishingStartDate xmlns="http://schemas.microsoft.com/sharepoint/v3" xsi:nil="true"/>
-  </documentManagement>
-</p:properties>
+<file path=customXml/itemProps2.xml><?xml version="1.0" encoding="utf-8"?>
+<ds:datastoreItem xmlns:ds="http://schemas.openxmlformats.org/officeDocument/2006/customXml" ds:itemID="{AB7D5C0A-FE65-4777-82AF-D685DD225982}">
+  <ds:schemaRefs>
+    <ds:schemaRef ds:uri="http://schemas.microsoft.com/sharepoint/v3/contenttype/forms"/>
+  </ds:schemaRefs>
+</ds:datastoreItem>
 </file>
 
-<file path=customXml/itemProps1.xml><?xml version="1.0" encoding="utf-8"?>
+<file path=customXml/itemProps3.xml><?xml version="1.0" encoding="utf-8"?>
 <ds:datastoreItem xmlns:ds="http://schemas.openxmlformats.org/officeDocument/2006/customXml" ds:itemID="{248F8CFE-4457-42AC-A267-1C4F5139867C}">
   <ds:schemaRefs>
     <ds:schemaRef ds:uri="http://schemas.microsoft.com/office/2006/metadata/contentType"/>
@@ -5309,28 +5333,4 @@
     <ds:schemaRef ds:uri="http://schemas.microsoft.com/internal/obd"/>
   </ds:schemaRefs>
 </ds:datastoreItem>
-</file>
-
-<file path=customXml/itemProps2.xml><?xml version="1.0" encoding="utf-8"?>
-<ds:datastoreItem xmlns:ds="http://schemas.openxmlformats.org/officeDocument/2006/customXml" ds:itemID="{AB7D5C0A-FE65-4777-82AF-D685DD225982}">
-  <ds:schemaRefs>
-    <ds:schemaRef ds:uri="http://schemas.microsoft.com/sharepoint/v3/contenttype/forms"/>
-  </ds:schemaRefs>
-</ds:datastoreItem>
-</file>
-
-<file path=customXml/itemProps3.xml><?xml version="1.0" encoding="utf-8"?>
-<ds:datastoreItem xmlns:ds="http://schemas.openxmlformats.org/officeDocument/2006/customXml" ds:itemID="{E1941F1E-6F16-4904-8673-FDFB017F5F74}">
-  <ds:schemaRefs>
-    <ds:schemaRef ds:uri="http://schemas.microsoft.com/office/2006/metadata/properties"/>
-    <ds:schemaRef ds:uri="http://schemas.openxmlformats.org/package/2006/metadata/core-properties"/>
-    <ds:schemaRef ds:uri="http://schemas.microsoft.com/office/2006/documentManagement/types"/>
-    <ds:schemaRef ds:uri="http://purl.org/dc/dcmitype/"/>
-    <ds:schemaRef ds:uri="http://purl.org/dc/elements/1.1/"/>
-    <ds:schemaRef ds:uri="http://schemas.microsoft.com/office/infopath/2007/PartnerControls"/>
-    <ds:schemaRef ds:uri="http://purl.org/dc/terms/"/>
-    <ds:schemaRef ds:uri="http://schemas.microsoft.com/sharepoint/v3"/>
-    <ds:schemaRef ds:uri="http://www.w3.org/XML/1998/namespace"/>
-  </ds:schemaRefs>
-</ds:datastoreItem>
 </file>
--- a/Klausur/Klausurprojekt PZD.pptx
+++ b/Klausur/Klausurprojekt PZD.pptx
@@ -5,19 +5,20 @@
     <p:sldMasterId id="2147483694" r:id="rId4"/>
   </p:sldMasterIdLst>
   <p:notesMasterIdLst>
-    <p:notesMasterId r:id="rId12"/>
+    <p:notesMasterId r:id="rId13"/>
   </p:notesMasterIdLst>
   <p:handoutMasterIdLst>
-    <p:handoutMasterId r:id="rId13"/>
+    <p:handoutMasterId r:id="rId14"/>
   </p:handoutMasterIdLst>
   <p:sldIdLst>
     <p:sldId id="256" r:id="rId5"/>
     <p:sldId id="257" r:id="rId6"/>
     <p:sldId id="258" r:id="rId7"/>
     <p:sldId id="264" r:id="rId8"/>
-    <p:sldId id="259" r:id="rId9"/>
-    <p:sldId id="265" r:id="rId10"/>
-    <p:sldId id="261" r:id="rId11"/>
+    <p:sldId id="266" r:id="rId9"/>
+    <p:sldId id="259" r:id="rId10"/>
+    <p:sldId id="265" r:id="rId11"/>
+    <p:sldId id="261" r:id="rId12"/>
   </p:sldIdLst>
   <p:sldSz cx="9144000" cy="6858000" type="screen4x3"/>
   <p:notesSz cx="6858000" cy="9144000"/>
@@ -291,7 +292,7 @@
               <a:pPr>
                 <a:defRPr/>
               </a:pPr>
-              <a:t>05.07.2020</a:t>
+              <a:t>06.07.2020</a:t>
             </a:fld>
             <a:endParaRPr lang="de-DE"/>
           </a:p>
@@ -507,7 +508,7 @@
               <a:pPr>
                 <a:defRPr/>
               </a:pPr>
-              <a:t>05.07.2020</a:t>
+              <a:t>06.07.2020</a:t>
             </a:fld>
             <a:endParaRPr lang="de-DE"/>
           </a:p>
@@ -2405,7 +2406,7 @@
               </a14:hiddenLine>
             </a:ext>
             <a:ext uri="{FAA26D3D-D897-4be2-8F04-BA451C77F1D7}">
-              <ma14:placeholderFlag xmlns="" xmlns:ma14="http://schemas.microsoft.com/office/mac/drawingml/2011/main" val="1"/>
+              <ma14:placeholderFlag xmlns:ma14="http://schemas.microsoft.com/office/mac/drawingml/2011/main" xmlns="" val="1"/>
             </a:ext>
           </a:extLst>
         </p:spPr>
@@ -3794,6 +3795,133 @@
           <p:cNvPr id="2" name="Titel 1">
             <a:extLst>
               <a:ext uri="{FF2B5EF4-FFF2-40B4-BE49-F238E27FC236}">
+                <a16:creationId xmlns:a16="http://schemas.microsoft.com/office/drawing/2014/main" id="{78572694-489C-4366-B166-BFD14A8E803E}"/>
+              </a:ext>
+            </a:extLst>
+          </p:cNvPr>
+          <p:cNvSpPr>
+            <a:spLocks noGrp="1"/>
+          </p:cNvSpPr>
+          <p:nvPr>
+            <p:ph type="title"/>
+          </p:nvPr>
+        </p:nvSpPr>
+        <p:spPr/>
+        <p:txBody>
+          <a:bodyPr/>
+          <a:lstStyle/>
+          <a:p>
+            <a:r>
+              <a:rPr lang="de-DE" dirty="0"/>
+              <a:t>Gegenüberstellung pm10 – pm2.5</a:t>
+            </a:r>
+          </a:p>
+        </p:txBody>
+      </p:sp>
+      <p:sp>
+        <p:nvSpPr>
+          <p:cNvPr id="4" name="Foliennummernplatzhalter 3">
+            <a:extLst>
+              <a:ext uri="{FF2B5EF4-FFF2-40B4-BE49-F238E27FC236}">
+                <a16:creationId xmlns:a16="http://schemas.microsoft.com/office/drawing/2014/main" id="{DA488E9B-877B-43CC-BB58-5B58C67C758C}"/>
+              </a:ext>
+            </a:extLst>
+          </p:cNvPr>
+          <p:cNvSpPr>
+            <a:spLocks noGrp="1"/>
+          </p:cNvSpPr>
+          <p:nvPr>
+            <p:ph type="sldNum" sz="quarter" idx="16"/>
+          </p:nvPr>
+        </p:nvSpPr>
+        <p:spPr/>
+        <p:txBody>
+          <a:bodyPr/>
+          <a:lstStyle/>
+          <a:p>
+            <a:pPr>
+              <a:defRPr/>
+            </a:pPr>
+            <a:r>
+              <a:rPr lang="de-DE"/>
+              <a:t>Folie </a:t>
+            </a:r>
+            <a:fld id="{35E7000C-7611-1A4F-AD21-C57D6B4C52E4}" type="slidenum">
+              <a:rPr lang="de-DE" smtClean="0"/>
+              <a:pPr>
+                <a:defRPr/>
+              </a:pPr>
+              <a:t>5</a:t>
+            </a:fld>
+            <a:endParaRPr lang="de-DE"/>
+          </a:p>
+        </p:txBody>
+      </p:sp>
+      <p:pic>
+        <p:nvPicPr>
+          <p:cNvPr id="6" name="Grafik 5">
+            <a:extLst>
+              <a:ext uri="{FF2B5EF4-FFF2-40B4-BE49-F238E27FC236}">
+                <a16:creationId xmlns:a16="http://schemas.microsoft.com/office/drawing/2014/main" id="{3083236F-4878-4531-8821-304600A599A2}"/>
+              </a:ext>
+            </a:extLst>
+          </p:cNvPr>
+          <p:cNvPicPr>
+            <a:picLocks noChangeAspect="1"/>
+          </p:cNvPicPr>
+          <p:nvPr/>
+        </p:nvPicPr>
+        <p:blipFill>
+          <a:blip r:embed="rId2"/>
+          <a:stretch>
+            <a:fillRect/>
+          </a:stretch>
+        </p:blipFill>
+        <p:spPr>
+          <a:xfrm>
+            <a:off x="2316298" y="1882309"/>
+            <a:ext cx="4374813" cy="4318280"/>
+          </a:xfrm>
+          <a:prstGeom prst="rect">
+            <a:avLst/>
+          </a:prstGeom>
+        </p:spPr>
+      </p:pic>
+    </p:spTree>
+    <p:extLst>
+      <p:ext uri="{BB962C8B-B14F-4D97-AF65-F5344CB8AC3E}">
+        <p14:creationId xmlns:p14="http://schemas.microsoft.com/office/powerpoint/2010/main" val="1531385580"/>
+      </p:ext>
+    </p:extLst>
+  </p:cSld>
+  <p:clrMapOvr>
+    <a:masterClrMapping/>
+  </p:clrMapOvr>
+</p:sld>
+</file>
+
+<file path=ppt/slides/slide6.xml><?xml version="1.0" encoding="utf-8"?>
+<p:sld xmlns:a="http://schemas.openxmlformats.org/drawingml/2006/main" xmlns:r="http://schemas.openxmlformats.org/officeDocument/2006/relationships" xmlns:p="http://schemas.openxmlformats.org/presentationml/2006/main">
+  <p:cSld>
+    <p:spTree>
+      <p:nvGrpSpPr>
+        <p:cNvPr id="1" name=""/>
+        <p:cNvGrpSpPr/>
+        <p:nvPr/>
+      </p:nvGrpSpPr>
+      <p:grpSpPr>
+        <a:xfrm>
+          <a:off x="0" y="0"/>
+          <a:ext cx="0" cy="0"/>
+          <a:chOff x="0" y="0"/>
+          <a:chExt cx="0" cy="0"/>
+        </a:xfrm>
+      </p:grpSpPr>
+      <p:sp>
+        <p:nvSpPr>
+          <p:cNvPr id="2" name="Titel 1">
+            <a:extLst>
+              <a:ext uri="{FF2B5EF4-FFF2-40B4-BE49-F238E27FC236}">
                 <a16:creationId xmlns:a16="http://schemas.microsoft.com/office/drawing/2014/main" id="{12350BFF-0A8D-44B2-BA9D-CD09C5A00EEF}"/>
               </a:ext>
             </a:extLst>
@@ -3850,7 +3978,7 @@
               <a:pPr>
                 <a:defRPr/>
               </a:pPr>
-              <a:t>5</a:t>
+              <a:t>6</a:t>
             </a:fld>
             <a:endParaRPr lang="de-DE"/>
           </a:p>
@@ -3899,7 +4027,7 @@
 </p:sld>
 </file>
 
-<file path=ppt/slides/slide6.xml><?xml version="1.0" encoding="utf-8"?>
+<file path=ppt/slides/slide7.xml><?xml version="1.0" encoding="utf-8"?>
 <p:sld xmlns:a="http://schemas.openxmlformats.org/drawingml/2006/main" xmlns:r="http://schemas.openxmlformats.org/officeDocument/2006/relationships" xmlns:p="http://schemas.openxmlformats.org/presentationml/2006/main">
   <p:cSld>
     <p:spTree>
@@ -3978,7 +4106,7 @@
               <a:pPr>
                 <a:defRPr/>
               </a:pPr>
-              <a:t>6</a:t>
+              <a:t>7</a:t>
             </a:fld>
             <a:endParaRPr lang="de-DE"/>
           </a:p>
@@ -3986,10 +4114,10 @@
       </p:sp>
       <p:pic>
         <p:nvPicPr>
-          <p:cNvPr id="8" name="Grafik 7">
+          <p:cNvPr id="7" name="Grafik 6">
             <a:extLst>
               <a:ext uri="{FF2B5EF4-FFF2-40B4-BE49-F238E27FC236}">
-                <a16:creationId xmlns:a16="http://schemas.microsoft.com/office/drawing/2014/main" id="{6629A178-95B5-417B-B100-DF982DE6E350}"/>
+                <a16:creationId xmlns:a16="http://schemas.microsoft.com/office/drawing/2014/main" id="{3273F1C9-3D27-4345-9371-D38570EEBBF6}"/>
               </a:ext>
             </a:extLst>
           </p:cNvPr>
@@ -4006,8 +4134,8 @@
         </p:blipFill>
         <p:spPr>
           <a:xfrm>
-            <a:off x="1929798" y="1752218"/>
-            <a:ext cx="5284404" cy="3353564"/>
+            <a:off x="1929798" y="1637892"/>
+            <a:ext cx="5284404" cy="3582216"/>
           </a:xfrm>
           <a:prstGeom prst="rect">
             <a:avLst/>
@@ -4027,7 +4155,7 @@
 </p:sld>
 </file>
 
-<file path=ppt/slides/slide7.xml><?xml version="1.0" encoding="utf-8"?>
+<file path=ppt/slides/slide8.xml><?xml version="1.0" encoding="utf-8"?>
 <p:sld xmlns:a="http://schemas.openxmlformats.org/drawingml/2006/main" xmlns:r="http://schemas.openxmlformats.org/officeDocument/2006/relationships" xmlns:p="http://schemas.openxmlformats.org/presentationml/2006/main">
   <p:cSld>
     <p:spTree>
@@ -4106,7 +4234,7 @@
               <a:pPr>
                 <a:defRPr/>
               </a:pPr>
-              <a:t>7</a:t>
+              <a:t>8</a:t>
             </a:fld>
             <a:endParaRPr lang="de-DE"/>
           </a:p>
@@ -4114,10 +4242,10 @@
       </p:sp>
       <p:pic>
         <p:nvPicPr>
-          <p:cNvPr id="8" name="Grafik 7">
+          <p:cNvPr id="15" name="Grafik 14">
             <a:extLst>
               <a:ext uri="{FF2B5EF4-FFF2-40B4-BE49-F238E27FC236}">
-                <a16:creationId xmlns:a16="http://schemas.microsoft.com/office/drawing/2014/main" id="{21B20580-6F81-4546-91C6-83ACD6E657DC}"/>
+                <a16:creationId xmlns:a16="http://schemas.microsoft.com/office/drawing/2014/main" id="{FA6A1898-4F15-45DB-A2AA-9F6EB5399ECE}"/>
               </a:ext>
             </a:extLst>
           </p:cNvPr>
@@ -4134,8 +4262,8 @@
         </p:blipFill>
         <p:spPr>
           <a:xfrm>
-            <a:off x="758437" y="2110665"/>
-            <a:ext cx="3745268" cy="2636669"/>
+            <a:off x="679561" y="2383616"/>
+            <a:ext cx="3600000" cy="2589796"/>
           </a:xfrm>
           <a:prstGeom prst="rect">
             <a:avLst/>
@@ -4144,10 +4272,10 @@
       </p:pic>
       <p:pic>
         <p:nvPicPr>
-          <p:cNvPr id="5" name="Grafik 4">
+          <p:cNvPr id="17" name="Grafik 16">
             <a:extLst>
               <a:ext uri="{FF2B5EF4-FFF2-40B4-BE49-F238E27FC236}">
-                <a16:creationId xmlns:a16="http://schemas.microsoft.com/office/drawing/2014/main" id="{180FDF41-797F-49F8-8ED4-E0FE140FCB15}"/>
+                <a16:creationId xmlns:a16="http://schemas.microsoft.com/office/drawing/2014/main" id="{DB40CA71-45BE-413D-8930-6C10639680B8}"/>
               </a:ext>
             </a:extLst>
           </p:cNvPr>
@@ -4164,8 +4292,8 @@
         </p:blipFill>
         <p:spPr>
           <a:xfrm>
-            <a:off x="4640297" y="2111558"/>
-            <a:ext cx="3744000" cy="2635776"/>
+            <a:off x="4864439" y="2383616"/>
+            <a:ext cx="3600000" cy="2589796"/>
           </a:xfrm>
           <a:prstGeom prst="rect">
             <a:avLst/>
@@ -5144,24 +5272,6 @@
 </file>
 
 <file path=customXml/item1.xml><?xml version="1.0" encoding="utf-8"?>
-<p:properties xmlns:p="http://schemas.microsoft.com/office/2006/metadata/properties" xmlns:xsi="http://www.w3.org/2001/XMLSchema-instance" xmlns:pc="http://schemas.microsoft.com/office/infopath/2007/PartnerControls">
-  <documentManagement>
-    <PublishingExpirationDate xmlns="http://schemas.microsoft.com/sharepoint/v3" xsi:nil="true"/>
-    <PublishingStartDate xmlns="http://schemas.microsoft.com/sharepoint/v3" xsi:nil="true"/>
-  </documentManagement>
-</p:properties>
-</file>
-
-<file path=customXml/item2.xml><?xml version="1.0" encoding="utf-8"?>
-<?mso-contentType ?>
-<FormTemplates xmlns="http://schemas.microsoft.com/sharepoint/v3/contenttype/forms">
-  <Display>DocumentLibraryForm</Display>
-  <Edit>DocumentLibraryForm</Edit>
-  <New>DocumentLibraryForm</New>
-</FormTemplates>
-</file>
-
-<file path=customXml/item3.xml><?xml version="1.0" encoding="utf-8"?>
 <ct:contentTypeSchema xmlns:ct="http://schemas.microsoft.com/office/2006/metadata/contentType" xmlns:ma="http://schemas.microsoft.com/office/2006/metadata/properties/metaAttributes" ct:_="" ma:_="" ma:contentTypeName="Dokument" ma:contentTypeID="0x010100A9BF3A695EC2034AAE4DB9E7D5E75338" ma:contentTypeVersion="1" ma:contentTypeDescription="Ein neues Dokument erstellen." ma:contentTypeScope="" ma:versionID="2482249281ae2dbb1e7d275a1d8e4177">
   <xsd:schema xmlns:xsd="http://www.w3.org/2001/XMLSchema" xmlns:xs="http://www.w3.org/2001/XMLSchema" xmlns:p="http://schemas.microsoft.com/office/2006/metadata/properties" xmlns:ns1="http://schemas.microsoft.com/sharepoint/v3" targetNamespace="http://schemas.microsoft.com/office/2006/metadata/properties" ma:root="true" ma:fieldsID="62d986c303d7a4c351c7c2bc39a3db9c" ns1:_="">
     <xsd:import namespace="http://schemas.microsoft.com/sharepoint/v3"/>
@@ -5293,31 +5403,25 @@
 </ct:contentTypeSchema>
 </file>
 
-<file path=customXml/itemProps1.xml><?xml version="1.0" encoding="utf-8"?>
-<ds:datastoreItem xmlns:ds="http://schemas.openxmlformats.org/officeDocument/2006/customXml" ds:itemID="{E1941F1E-6F16-4904-8673-FDFB017F5F74}">
-  <ds:schemaRefs>
-    <ds:schemaRef ds:uri="http://schemas.microsoft.com/office/2006/metadata/properties"/>
-    <ds:schemaRef ds:uri="http://schemas.openxmlformats.org/package/2006/metadata/core-properties"/>
-    <ds:schemaRef ds:uri="http://schemas.microsoft.com/office/2006/documentManagement/types"/>
-    <ds:schemaRef ds:uri="http://purl.org/dc/dcmitype/"/>
-    <ds:schemaRef ds:uri="http://purl.org/dc/elements/1.1/"/>
-    <ds:schemaRef ds:uri="http://schemas.microsoft.com/office/infopath/2007/PartnerControls"/>
-    <ds:schemaRef ds:uri="http://purl.org/dc/terms/"/>
-    <ds:schemaRef ds:uri="http://schemas.microsoft.com/sharepoint/v3"/>
-    <ds:schemaRef ds:uri="http://www.w3.org/XML/1998/namespace"/>
-  </ds:schemaRefs>
-</ds:datastoreItem>
+<file path=customXml/item2.xml><?xml version="1.0" encoding="utf-8"?>
+<?mso-contentType ?>
+<FormTemplates xmlns="http://schemas.microsoft.com/sharepoint/v3/contenttype/forms">
+  <Display>DocumentLibraryForm</Display>
+  <Edit>DocumentLibraryForm</Edit>
+  <New>DocumentLibraryForm</New>
+</FormTemplates>
 </file>
 
-<file path=customXml/itemProps2.xml><?xml version="1.0" encoding="utf-8"?>
-<ds:datastoreItem xmlns:ds="http://schemas.openxmlformats.org/officeDocument/2006/customXml" ds:itemID="{AB7D5C0A-FE65-4777-82AF-D685DD225982}">
-  <ds:schemaRefs>
-    <ds:schemaRef ds:uri="http://schemas.microsoft.com/sharepoint/v3/contenttype/forms"/>
-  </ds:schemaRefs>
-</ds:datastoreItem>
+<file path=customXml/item3.xml><?xml version="1.0" encoding="utf-8"?>
+<p:properties xmlns:p="http://schemas.microsoft.com/office/2006/metadata/properties" xmlns:xsi="http://www.w3.org/2001/XMLSchema-instance" xmlns:pc="http://schemas.microsoft.com/office/infopath/2007/PartnerControls">
+  <documentManagement>
+    <PublishingExpirationDate xmlns="http://schemas.microsoft.com/sharepoint/v3" xsi:nil="true"/>
+    <PublishingStartDate xmlns="http://schemas.microsoft.com/sharepoint/v3" xsi:nil="true"/>
+  </documentManagement>
+</p:properties>
 </file>
 
-<file path=customXml/itemProps3.xml><?xml version="1.0" encoding="utf-8"?>
+<file path=customXml/itemProps1.xml><?xml version="1.0" encoding="utf-8"?>
 <ds:datastoreItem xmlns:ds="http://schemas.openxmlformats.org/officeDocument/2006/customXml" ds:itemID="{248F8CFE-4457-42AC-A267-1C4F5139867C}">
   <ds:schemaRefs>
     <ds:schemaRef ds:uri="http://schemas.microsoft.com/office/2006/metadata/contentType"/>
@@ -5333,4 +5437,28 @@
     <ds:schemaRef ds:uri="http://schemas.microsoft.com/internal/obd"/>
   </ds:schemaRefs>
 </ds:datastoreItem>
+</file>
+
+<file path=customXml/itemProps2.xml><?xml version="1.0" encoding="utf-8"?>
+<ds:datastoreItem xmlns:ds="http://schemas.openxmlformats.org/officeDocument/2006/customXml" ds:itemID="{AB7D5C0A-FE65-4777-82AF-D685DD225982}">
+  <ds:schemaRefs>
+    <ds:schemaRef ds:uri="http://schemas.microsoft.com/sharepoint/v3/contenttype/forms"/>
+  </ds:schemaRefs>
+</ds:datastoreItem>
+</file>
+
+<file path=customXml/itemProps3.xml><?xml version="1.0" encoding="utf-8"?>
+<ds:datastoreItem xmlns:ds="http://schemas.openxmlformats.org/officeDocument/2006/customXml" ds:itemID="{E1941F1E-6F16-4904-8673-FDFB017F5F74}">
+  <ds:schemaRefs>
+    <ds:schemaRef ds:uri="http://schemas.microsoft.com/office/2006/metadata/properties"/>
+    <ds:schemaRef ds:uri="http://schemas.openxmlformats.org/package/2006/metadata/core-properties"/>
+    <ds:schemaRef ds:uri="http://schemas.microsoft.com/office/2006/documentManagement/types"/>
+    <ds:schemaRef ds:uri="http://purl.org/dc/dcmitype/"/>
+    <ds:schemaRef ds:uri="http://purl.org/dc/elements/1.1/"/>
+    <ds:schemaRef ds:uri="http://schemas.microsoft.com/office/infopath/2007/PartnerControls"/>
+    <ds:schemaRef ds:uri="http://purl.org/dc/terms/"/>
+    <ds:schemaRef ds:uri="http://schemas.microsoft.com/sharepoint/v3"/>
+    <ds:schemaRef ds:uri="http://www.w3.org/XML/1998/namespace"/>
+  </ds:schemaRefs>
+</ds:datastoreItem>
 </file>
--- a/Klausur/Klausurprojekt PZD.pptx
+++ b/Klausur/Klausurprojekt PZD.pptx
@@ -292,7 +292,7 @@
               <a:pPr>
                 <a:defRPr/>
               </a:pPr>
-              <a:t>06.07.2020</a:t>
+              <a:t>10.07.2020</a:t>
             </a:fld>
             <a:endParaRPr lang="de-DE"/>
           </a:p>
@@ -508,7 +508,7 @@
               <a:pPr>
                 <a:defRPr/>
               </a:pPr>
-              <a:t>06.07.2020</a:t>
+              <a:t>10.07.2020</a:t>
             </a:fld>
             <a:endParaRPr lang="de-DE"/>
           </a:p>
@@ -1134,8 +1134,8 @@
         </p:nvSpPr>
         <p:spPr>
           <a:xfrm>
-            <a:off x="3078093" y="6599237"/>
-            <a:ext cx="2987813" cy="254000"/>
+            <a:off x="2862289" y="6607786"/>
+            <a:ext cx="3419421" cy="250214"/>
           </a:xfrm>
           <a:prstGeom prst="rect">
             <a:avLst/>
@@ -1278,7 +1278,7 @@
             </a:pPr>
             <a:r>
               <a:rPr lang="de-DE" dirty="0"/>
-              <a:t>Klausurprojekt | 11. Juli 2020 | Armin Kulla, Hendrik Pieres</a:t>
+              <a:t>Klausurprojekt PZD | 11. Juli 2020 | Armin Kulla, Hendrik Pieres</a:t>
             </a:r>
           </a:p>
         </p:txBody>
@@ -1727,10 +1727,10 @@
       </p:sp>
       <p:sp>
         <p:nvSpPr>
-          <p:cNvPr id="11" name="Fußzeilenplatzhalter 3">
+          <p:cNvPr id="9" name="Fußzeilenplatzhalter 3">
             <a:extLst>
               <a:ext uri="{FF2B5EF4-FFF2-40B4-BE49-F238E27FC236}">
-                <a16:creationId xmlns:a16="http://schemas.microsoft.com/office/drawing/2014/main" id="{AB4F8899-C214-45FA-8EFC-F66B0C55F6CC}"/>
+                <a16:creationId xmlns:a16="http://schemas.microsoft.com/office/drawing/2014/main" id="{569DFBE5-86A3-4C47-BFD4-C506A904C396}"/>
               </a:ext>
             </a:extLst>
           </p:cNvPr>
@@ -1741,8 +1741,8 @@
         </p:nvSpPr>
         <p:spPr>
           <a:xfrm>
-            <a:off x="3078093" y="6599237"/>
-            <a:ext cx="2987813" cy="254000"/>
+            <a:off x="2862289" y="6607786"/>
+            <a:ext cx="3419421" cy="250214"/>
           </a:xfrm>
           <a:prstGeom prst="rect">
             <a:avLst/>
@@ -1885,7 +1885,7 @@
             </a:pPr>
             <a:r>
               <a:rPr lang="de-DE" dirty="0"/>
-              <a:t>Klausurprojekt | 11. Juli 2020 | Armin Kulla, Hendrik Pieres</a:t>
+              <a:t>Klausurprojekt PZD | 11. Juli 2020 | Armin Kulla, Hendrik Pieres</a:t>
             </a:r>
           </a:p>
         </p:txBody>
@@ -2119,7 +2119,13 @@
       </p:sp>
       <p:sp>
         <p:nvSpPr>
-          <p:cNvPr id="7" name="Fußzeilenplatzhalter 3"/>
+          <p:cNvPr id="6" name="Fußzeilenplatzhalter 3">
+            <a:extLst>
+              <a:ext uri="{FF2B5EF4-FFF2-40B4-BE49-F238E27FC236}">
+                <a16:creationId xmlns:a16="http://schemas.microsoft.com/office/drawing/2014/main" id="{8D7A876E-E30E-4CE9-AF93-C6F25B833F16}"/>
+              </a:ext>
+            </a:extLst>
+          </p:cNvPr>
           <p:cNvSpPr txBox="1">
             <a:spLocks/>
           </p:cNvSpPr>
@@ -2127,8 +2133,8 @@
         </p:nvSpPr>
         <p:spPr>
           <a:xfrm>
-            <a:off x="3078093" y="6599237"/>
-            <a:ext cx="2987813" cy="254000"/>
+            <a:off x="2862289" y="6607786"/>
+            <a:ext cx="3419421" cy="250214"/>
           </a:xfrm>
           <a:prstGeom prst="rect">
             <a:avLst/>
@@ -2271,7 +2277,7 @@
             </a:pPr>
             <a:r>
               <a:rPr lang="de-DE" dirty="0"/>
-              <a:t>Klausurprojekt | 11. Juli 2020 | Armin Kulla, Hendrik Pieres</a:t>
+              <a:t>Klausurprojekt PZD | 11. Juli 2020 | Armin Kulla, Hendrik Pieres</a:t>
             </a:r>
           </a:p>
         </p:txBody>
@@ -2406,7 +2412,7 @@
               </a14:hiddenLine>
             </a:ext>
             <a:ext uri="{FAA26D3D-D897-4be2-8F04-BA451C77F1D7}">
-              <ma14:placeholderFlag xmlns:ma14="http://schemas.microsoft.com/office/mac/drawingml/2011/main" xmlns="" val="1"/>
+              <ma14:placeholderFlag xmlns="" xmlns:ma14="http://schemas.microsoft.com/office/mac/drawingml/2011/main" val="1"/>
             </a:ext>
           </a:extLst>
         </p:spPr>
@@ -4014,6 +4020,156 @@
           </a:prstGeom>
         </p:spPr>
       </p:pic>
+      <p:sp>
+        <p:nvSpPr>
+          <p:cNvPr id="3" name="Rechteck 2">
+            <a:extLst>
+              <a:ext uri="{FF2B5EF4-FFF2-40B4-BE49-F238E27FC236}">
+                <a16:creationId xmlns:a16="http://schemas.microsoft.com/office/drawing/2014/main" id="{099725B3-97B6-436B-9F8D-BF266918C7DE}"/>
+              </a:ext>
+            </a:extLst>
+          </p:cNvPr>
+          <p:cNvSpPr/>
+          <p:nvPr/>
+        </p:nvSpPr>
+        <p:spPr>
+          <a:xfrm>
+            <a:off x="2382425" y="2618913"/>
+            <a:ext cx="4379148" cy="603681"/>
+          </a:xfrm>
+          <a:prstGeom prst="rect">
+            <a:avLst/>
+          </a:prstGeom>
+          <a:noFill/>
+          <a:ln w="28575">
+            <a:solidFill>
+              <a:srgbClr val="E52016"/>
+            </a:solidFill>
+          </a:ln>
+        </p:spPr>
+        <p:style>
+          <a:lnRef idx="1">
+            <a:schemeClr val="accent1"/>
+          </a:lnRef>
+          <a:fillRef idx="3">
+            <a:schemeClr val="accent1"/>
+          </a:fillRef>
+          <a:effectRef idx="2">
+            <a:schemeClr val="accent1"/>
+          </a:effectRef>
+          <a:fontRef idx="minor">
+            <a:schemeClr val="lt1"/>
+          </a:fontRef>
+        </p:style>
+        <p:txBody>
+          <a:bodyPr rtlCol="0" anchor="ctr"/>
+          <a:lstStyle/>
+          <a:p>
+            <a:pPr algn="ctr"/>
+            <a:endParaRPr lang="de-DE"/>
+          </a:p>
+        </p:txBody>
+      </p:sp>
+      <p:sp>
+        <p:nvSpPr>
+          <p:cNvPr id="6" name="Rechteck 5">
+            <a:extLst>
+              <a:ext uri="{FF2B5EF4-FFF2-40B4-BE49-F238E27FC236}">
+                <a16:creationId xmlns:a16="http://schemas.microsoft.com/office/drawing/2014/main" id="{EED81591-CED1-444B-9E10-A955DCFBD85C}"/>
+              </a:ext>
+            </a:extLst>
+          </p:cNvPr>
+          <p:cNvSpPr/>
+          <p:nvPr/>
+        </p:nvSpPr>
+        <p:spPr>
+          <a:xfrm>
+            <a:off x="2382425" y="3435386"/>
+            <a:ext cx="4379148" cy="603681"/>
+          </a:xfrm>
+          <a:prstGeom prst="rect">
+            <a:avLst/>
+          </a:prstGeom>
+          <a:noFill/>
+          <a:ln w="28575">
+            <a:solidFill>
+              <a:srgbClr val="E52016"/>
+            </a:solidFill>
+          </a:ln>
+        </p:spPr>
+        <p:style>
+          <a:lnRef idx="1">
+            <a:schemeClr val="accent1"/>
+          </a:lnRef>
+          <a:fillRef idx="3">
+            <a:schemeClr val="accent1"/>
+          </a:fillRef>
+          <a:effectRef idx="2">
+            <a:schemeClr val="accent1"/>
+          </a:effectRef>
+          <a:fontRef idx="minor">
+            <a:schemeClr val="lt1"/>
+          </a:fontRef>
+        </p:style>
+        <p:txBody>
+          <a:bodyPr rtlCol="0" anchor="ctr"/>
+          <a:lstStyle/>
+          <a:p>
+            <a:pPr algn="ctr"/>
+            <a:endParaRPr lang="de-DE"/>
+          </a:p>
+        </p:txBody>
+      </p:sp>
+      <p:sp>
+        <p:nvSpPr>
+          <p:cNvPr id="7" name="Rechteck 6">
+            <a:extLst>
+              <a:ext uri="{FF2B5EF4-FFF2-40B4-BE49-F238E27FC236}">
+                <a16:creationId xmlns:a16="http://schemas.microsoft.com/office/drawing/2014/main" id="{D06D8AF0-9CF0-44C6-8568-8E4C07C9EF10}"/>
+              </a:ext>
+            </a:extLst>
+          </p:cNvPr>
+          <p:cNvSpPr/>
+          <p:nvPr/>
+        </p:nvSpPr>
+        <p:spPr>
+          <a:xfrm>
+            <a:off x="2382425" y="4654540"/>
+            <a:ext cx="4379148" cy="603681"/>
+          </a:xfrm>
+          <a:prstGeom prst="rect">
+            <a:avLst/>
+          </a:prstGeom>
+          <a:noFill/>
+          <a:ln w="28575">
+            <a:solidFill>
+              <a:srgbClr val="E52016"/>
+            </a:solidFill>
+          </a:ln>
+        </p:spPr>
+        <p:style>
+          <a:lnRef idx="1">
+            <a:schemeClr val="accent1"/>
+          </a:lnRef>
+          <a:fillRef idx="3">
+            <a:schemeClr val="accent1"/>
+          </a:fillRef>
+          <a:effectRef idx="2">
+            <a:schemeClr val="accent1"/>
+          </a:effectRef>
+          <a:fontRef idx="minor">
+            <a:schemeClr val="lt1"/>
+          </a:fontRef>
+        </p:style>
+        <p:txBody>
+          <a:bodyPr rtlCol="0" anchor="ctr"/>
+          <a:lstStyle/>
+          <a:p>
+            <a:pPr algn="ctr"/>
+            <a:endParaRPr lang="de-DE"/>
+          </a:p>
+        </p:txBody>
+      </p:sp>
     </p:spTree>
     <p:extLst>
       <p:ext uri="{BB962C8B-B14F-4D97-AF65-F5344CB8AC3E}">
@@ -4024,6 +4180,232 @@
   <p:clrMapOvr>
     <a:masterClrMapping/>
   </p:clrMapOvr>
+  <p:timing>
+    <p:tnLst>
+      <p:par>
+        <p:cTn id="1" dur="indefinite" restart="never" nodeType="tmRoot">
+          <p:childTnLst>
+            <p:seq concurrent="1" nextAc="seek">
+              <p:cTn id="2" dur="indefinite" nodeType="mainSeq">
+                <p:childTnLst>
+                  <p:par>
+                    <p:cTn id="3" fill="hold">
+                      <p:stCondLst>
+                        <p:cond delay="indefinite"/>
+                      </p:stCondLst>
+                      <p:childTnLst>
+                        <p:par>
+                          <p:cTn id="4" fill="hold">
+                            <p:stCondLst>
+                              <p:cond delay="0"/>
+                            </p:stCondLst>
+                            <p:childTnLst>
+                              <p:par>
+                                <p:cTn id="5" presetID="1" presetClass="entr" presetSubtype="0" fill="hold" grpId="0" nodeType="clickEffect">
+                                  <p:stCondLst>
+                                    <p:cond delay="0"/>
+                                  </p:stCondLst>
+                                  <p:childTnLst>
+                                    <p:set>
+                                      <p:cBhvr>
+                                        <p:cTn id="6" dur="1" fill="hold">
+                                          <p:stCondLst>
+                                            <p:cond delay="499"/>
+                                          </p:stCondLst>
+                                        </p:cTn>
+                                        <p:tgtEl>
+                                          <p:spTgt spid="3"/>
+                                        </p:tgtEl>
+                                        <p:attrNameLst>
+                                          <p:attrName>style.visibility</p:attrName>
+                                        </p:attrNameLst>
+                                      </p:cBhvr>
+                                      <p:to>
+                                        <p:strVal val="visible"/>
+                                      </p:to>
+                                    </p:set>
+                                  </p:childTnLst>
+                                </p:cTn>
+                              </p:par>
+                            </p:childTnLst>
+                          </p:cTn>
+                        </p:par>
+                      </p:childTnLst>
+                    </p:cTn>
+                  </p:par>
+                  <p:par>
+                    <p:cTn id="7" fill="hold">
+                      <p:stCondLst>
+                        <p:cond delay="indefinite"/>
+                      </p:stCondLst>
+                      <p:childTnLst>
+                        <p:par>
+                          <p:cTn id="8" fill="hold">
+                            <p:stCondLst>
+                              <p:cond delay="0"/>
+                            </p:stCondLst>
+                            <p:childTnLst>
+                              <p:par>
+                                <p:cTn id="9" presetID="1" presetClass="entr" presetSubtype="0" fill="hold" grpId="0" nodeType="clickEffect">
+                                  <p:stCondLst>
+                                    <p:cond delay="0"/>
+                                  </p:stCondLst>
+                                  <p:childTnLst>
+                                    <p:set>
+                                      <p:cBhvr>
+                                        <p:cTn id="10" dur="1" fill="hold">
+                                          <p:stCondLst>
+                                            <p:cond delay="499"/>
+                                          </p:stCondLst>
+                                        </p:cTn>
+                                        <p:tgtEl>
+                                          <p:spTgt spid="6"/>
+                                        </p:tgtEl>
+                                        <p:attrNameLst>
+                                          <p:attrName>style.visibility</p:attrName>
+                                        </p:attrNameLst>
+                                      </p:cBhvr>
+                                      <p:to>
+                                        <p:strVal val="visible"/>
+                                      </p:to>
+                                    </p:set>
+                                  </p:childTnLst>
+                                </p:cTn>
+                              </p:par>
+                              <p:par>
+                                <p:cTn id="11" presetID="1" presetClass="exit" presetSubtype="0" fill="hold" grpId="1" nodeType="withEffect">
+                                  <p:stCondLst>
+                                    <p:cond delay="0"/>
+                                  </p:stCondLst>
+                                  <p:childTnLst>
+                                    <p:set>
+                                      <p:cBhvr>
+                                        <p:cTn id="12" dur="1" fill="hold">
+                                          <p:stCondLst>
+                                            <p:cond delay="0"/>
+                                          </p:stCondLst>
+                                        </p:cTn>
+                                        <p:tgtEl>
+                                          <p:spTgt spid="3"/>
+                                        </p:tgtEl>
+                                        <p:attrNameLst>
+                                          <p:attrName>style.visibility</p:attrName>
+                                        </p:attrNameLst>
+                                      </p:cBhvr>
+                                      <p:to>
+                                        <p:strVal val="hidden"/>
+                                      </p:to>
+                                    </p:set>
+                                  </p:childTnLst>
+                                </p:cTn>
+                              </p:par>
+                            </p:childTnLst>
+                          </p:cTn>
+                        </p:par>
+                      </p:childTnLst>
+                    </p:cTn>
+                  </p:par>
+                  <p:par>
+                    <p:cTn id="13" fill="hold">
+                      <p:stCondLst>
+                        <p:cond delay="indefinite"/>
+                      </p:stCondLst>
+                      <p:childTnLst>
+                        <p:par>
+                          <p:cTn id="14" fill="hold">
+                            <p:stCondLst>
+                              <p:cond delay="0"/>
+                            </p:stCondLst>
+                            <p:childTnLst>
+                              <p:par>
+                                <p:cTn id="15" presetID="1" presetClass="entr" presetSubtype="0" fill="hold" grpId="0" nodeType="clickEffect">
+                                  <p:stCondLst>
+                                    <p:cond delay="0"/>
+                                  </p:stCondLst>
+                                  <p:childTnLst>
+                                    <p:set>
+                                      <p:cBhvr>
+                                        <p:cTn id="16" dur="1" fill="hold">
+                                          <p:stCondLst>
+                                            <p:cond delay="499"/>
+                                          </p:stCondLst>
+                                        </p:cTn>
+                                        <p:tgtEl>
+                                          <p:spTgt spid="7"/>
+                                        </p:tgtEl>
+                                        <p:attrNameLst>
+                                          <p:attrName>style.visibility</p:attrName>
+                                        </p:attrNameLst>
+                                      </p:cBhvr>
+                                      <p:to>
+                                        <p:strVal val="visible"/>
+                                      </p:to>
+                                    </p:set>
+                                  </p:childTnLst>
+                                </p:cTn>
+                              </p:par>
+                              <p:par>
+                                <p:cTn id="17" presetID="1" presetClass="exit" presetSubtype="0" fill="hold" grpId="1" nodeType="withEffect">
+                                  <p:stCondLst>
+                                    <p:cond delay="0"/>
+                                  </p:stCondLst>
+                                  <p:childTnLst>
+                                    <p:set>
+                                      <p:cBhvr>
+                                        <p:cTn id="18" dur="1" fill="hold">
+                                          <p:stCondLst>
+                                            <p:cond delay="0"/>
+                                          </p:stCondLst>
+                                        </p:cTn>
+                                        <p:tgtEl>
+                                          <p:spTgt spid="6"/>
+                                        </p:tgtEl>
+                                        <p:attrNameLst>
+                                          <p:attrName>style.visibility</p:attrName>
+                                        </p:attrNameLst>
+                                      </p:cBhvr>
+                                      <p:to>
+                                        <p:strVal val="hidden"/>
+                                      </p:to>
+                                    </p:set>
+                                  </p:childTnLst>
+                                </p:cTn>
+                              </p:par>
+                            </p:childTnLst>
+                          </p:cTn>
+                        </p:par>
+                      </p:childTnLst>
+                    </p:cTn>
+                  </p:par>
+                </p:childTnLst>
+              </p:cTn>
+              <p:prevCondLst>
+                <p:cond evt="onPrev" delay="0">
+                  <p:tgtEl>
+                    <p:sldTgt/>
+                  </p:tgtEl>
+                </p:cond>
+              </p:prevCondLst>
+              <p:nextCondLst>
+                <p:cond evt="onNext" delay="0">
+                  <p:tgtEl>
+                    <p:sldTgt/>
+                  </p:tgtEl>
+                </p:cond>
+              </p:nextCondLst>
+            </p:seq>
+          </p:childTnLst>
+        </p:cTn>
+      </p:par>
+    </p:tnLst>
+    <p:bldLst>
+      <p:bldP spid="3" grpId="0" animBg="1"/>
+      <p:bldP spid="3" grpId="1" animBg="1"/>
+      <p:bldP spid="6" grpId="0" animBg="1"/>
+      <p:bldP spid="6" grpId="1" animBg="1"/>
+      <p:bldP spid="7" grpId="0" animBg="1"/>
+    </p:bldLst>
+  </p:timing>
 </p:sld>
 </file>
 
@@ -5272,6 +5654,24 @@
 </file>
 
 <file path=customXml/item1.xml><?xml version="1.0" encoding="utf-8"?>
+<p:properties xmlns:p="http://schemas.microsoft.com/office/2006/metadata/properties" xmlns:xsi="http://www.w3.org/2001/XMLSchema-instance" xmlns:pc="http://schemas.microsoft.com/office/infopath/2007/PartnerControls">
+  <documentManagement>
+    <PublishingExpirationDate xmlns="http://schemas.microsoft.com/sharepoint/v3" xsi:nil="true"/>
+    <PublishingStartDate xmlns="http://schemas.microsoft.com/sharepoint/v3" xsi:nil="true"/>
+  </documentManagement>
+</p:properties>
+</file>
+
+<file path=customXml/item2.xml><?xml version="1.0" encoding="utf-8"?>
+<?mso-contentType ?>
+<FormTemplates xmlns="http://schemas.microsoft.com/sharepoint/v3/contenttype/forms">
+  <Display>DocumentLibraryForm</Display>
+  <Edit>DocumentLibraryForm</Edit>
+  <New>DocumentLibraryForm</New>
+</FormTemplates>
+</file>
+
+<file path=customXml/item3.xml><?xml version="1.0" encoding="utf-8"?>
 <ct:contentTypeSchema xmlns:ct="http://schemas.microsoft.com/office/2006/metadata/contentType" xmlns:ma="http://schemas.microsoft.com/office/2006/metadata/properties/metaAttributes" ct:_="" ma:_="" ma:contentTypeName="Dokument" ma:contentTypeID="0x010100A9BF3A695EC2034AAE4DB9E7D5E75338" ma:contentTypeVersion="1" ma:contentTypeDescription="Ein neues Dokument erstellen." ma:contentTypeScope="" ma:versionID="2482249281ae2dbb1e7d275a1d8e4177">
   <xsd:schema xmlns:xsd="http://www.w3.org/2001/XMLSchema" xmlns:xs="http://www.w3.org/2001/XMLSchema" xmlns:p="http://schemas.microsoft.com/office/2006/metadata/properties" xmlns:ns1="http://schemas.microsoft.com/sharepoint/v3" targetNamespace="http://schemas.microsoft.com/office/2006/metadata/properties" ma:root="true" ma:fieldsID="62d986c303d7a4c351c7c2bc39a3db9c" ns1:_="">
     <xsd:import namespace="http://schemas.microsoft.com/sharepoint/v3"/>
@@ -5403,25 +5803,31 @@
 </ct:contentTypeSchema>
 </file>
 
-<file path=customXml/item2.xml><?xml version="1.0" encoding="utf-8"?>
-<?mso-contentType ?>
-<FormTemplates xmlns="http://schemas.microsoft.com/sharepoint/v3/contenttype/forms">
-  <Display>DocumentLibraryForm</Display>
-  <Edit>DocumentLibraryForm</Edit>
-  <New>DocumentLibraryForm</New>
-</FormTemplates>
+<file path=customXml/itemProps1.xml><?xml version="1.0" encoding="utf-8"?>
+<ds:datastoreItem xmlns:ds="http://schemas.openxmlformats.org/officeDocument/2006/customXml" ds:itemID="{E1941F1E-6F16-4904-8673-FDFB017F5F74}">
+  <ds:schemaRefs>
+    <ds:schemaRef ds:uri="http://schemas.microsoft.com/office/2006/metadata/properties"/>
+    <ds:schemaRef ds:uri="http://schemas.openxmlformats.org/package/2006/metadata/core-properties"/>
+    <ds:schemaRef ds:uri="http://schemas.microsoft.com/office/2006/documentManagement/types"/>
+    <ds:schemaRef ds:uri="http://purl.org/dc/dcmitype/"/>
+    <ds:schemaRef ds:uri="http://purl.org/dc/elements/1.1/"/>
+    <ds:schemaRef ds:uri="http://schemas.microsoft.com/office/infopath/2007/PartnerControls"/>
+    <ds:schemaRef ds:uri="http://purl.org/dc/terms/"/>
+    <ds:schemaRef ds:uri="http://schemas.microsoft.com/sharepoint/v3"/>
+    <ds:schemaRef ds:uri="http://www.w3.org/XML/1998/namespace"/>
+  </ds:schemaRefs>
+</ds:datastoreItem>
 </file>
 
-<file path=customXml/item3.xml><?xml version="1.0" encoding="utf-8"?>
-<p:properties xmlns:p="http://schemas.microsoft.com/office/2006/metadata/properties" xmlns:xsi="http://www.w3.org/2001/XMLSchema-instance" xmlns:pc="http://schemas.microsoft.com/office/infopath/2007/PartnerControls">
-  <documentManagement>
-    <PublishingExpirationDate xmlns="http://schemas.microsoft.com/sharepoint/v3" xsi:nil="true"/>
-    <PublishingStartDate xmlns="http://schemas.microsoft.com/sharepoint/v3" xsi:nil="true"/>
-  </documentManagement>
-</p:properties>
+<file path=customXml/itemProps2.xml><?xml version="1.0" encoding="utf-8"?>
+<ds:datastoreItem xmlns:ds="http://schemas.openxmlformats.org/officeDocument/2006/customXml" ds:itemID="{AB7D5C0A-FE65-4777-82AF-D685DD225982}">
+  <ds:schemaRefs>
+    <ds:schemaRef ds:uri="http://schemas.microsoft.com/sharepoint/v3/contenttype/forms"/>
+  </ds:schemaRefs>
+</ds:datastoreItem>
 </file>
 
-<file path=customXml/itemProps1.xml><?xml version="1.0" encoding="utf-8"?>
+<file path=customXml/itemProps3.xml><?xml version="1.0" encoding="utf-8"?>
 <ds:datastoreItem xmlns:ds="http://schemas.openxmlformats.org/officeDocument/2006/customXml" ds:itemID="{248F8CFE-4457-42AC-A267-1C4F5139867C}">
   <ds:schemaRefs>
     <ds:schemaRef ds:uri="http://schemas.microsoft.com/office/2006/metadata/contentType"/>
@@ -5437,28 +5843,4 @@
     <ds:schemaRef ds:uri="http://schemas.microsoft.com/internal/obd"/>
   </ds:schemaRefs>
 </ds:datastoreItem>
-</file>
-
-<file path=customXml/itemProps2.xml><?xml version="1.0" encoding="utf-8"?>
-<ds:datastoreItem xmlns:ds="http://schemas.openxmlformats.org/officeDocument/2006/customXml" ds:itemID="{AB7D5C0A-FE65-4777-82AF-D685DD225982}">
-  <ds:schemaRefs>
-    <ds:schemaRef ds:uri="http://schemas.microsoft.com/sharepoint/v3/contenttype/forms"/>
-  </ds:schemaRefs>
-</ds:datastoreItem>
-</file>
-
-<file path=customXml/itemProps3.xml><?xml version="1.0" encoding="utf-8"?>
-<ds:datastoreItem xmlns:ds="http://schemas.openxmlformats.org/officeDocument/2006/customXml" ds:itemID="{E1941F1E-6F16-4904-8673-FDFB017F5F74}">
-  <ds:schemaRefs>
-    <ds:schemaRef ds:uri="http://schemas.microsoft.com/office/2006/metadata/properties"/>
-    <ds:schemaRef ds:uri="http://schemas.openxmlformats.org/package/2006/metadata/core-properties"/>
-    <ds:schemaRef ds:uri="http://schemas.microsoft.com/office/2006/documentManagement/types"/>
-    <ds:schemaRef ds:uri="http://purl.org/dc/dcmitype/"/>
-    <ds:schemaRef ds:uri="http://purl.org/dc/elements/1.1/"/>
-    <ds:schemaRef ds:uri="http://schemas.microsoft.com/office/infopath/2007/PartnerControls"/>
-    <ds:schemaRef ds:uri="http://purl.org/dc/terms/"/>
-    <ds:schemaRef ds:uri="http://schemas.microsoft.com/sharepoint/v3"/>
-    <ds:schemaRef ds:uri="http://www.w3.org/XML/1998/namespace"/>
-  </ds:schemaRefs>
-</ds:datastoreItem>
 </file>
--- a/Klausur/Klausurprojekt PZD.pptx
+++ b/Klausur/Klausurprojekt PZD.pptx
@@ -183,6 +183,111 @@
     </p:extLst>
   </p:cmAuthor>
 </p:cmAuthorLst>
+</file>
+
+<file path=ppt/revisionInfo.xml><?xml version="1.0" encoding="utf-8"?>
+<p1510:revInfo xmlns:a="http://schemas.openxmlformats.org/drawingml/2006/main" xmlns:r="http://schemas.openxmlformats.org/officeDocument/2006/relationships" xmlns:p1510="http://schemas.microsoft.com/office/powerpoint/2015/10/main">
+  <p1510:revLst>
+    <p1510:client id="{8B1A0611-2738-90E7-30FD-DDC523A84E33}" v="72" dt="2020-07-10T13:43:10.858"/>
+  </p1510:revLst>
+</p1510:revInfo>
+</file>
+
+<file path=ppt/changesInfos/changesInfo1.xml><?xml version="1.0" encoding="utf-8"?>
+<pc:chgInfo xmlns:a="http://schemas.openxmlformats.org/drawingml/2006/main" xmlns:r="http://schemas.openxmlformats.org/officeDocument/2006/relationships" xmlns:ac="http://schemas.microsoft.com/office/drawing/2013/main/command" xmlns:pc="http://schemas.microsoft.com/office/powerpoint/2013/main/command">
+  <pc:docChgLst>
+    <pc:chgData name="Armin Kulla" userId="S::armin.kulla@fhbi.onmicrosoft.com::f767b528-e523-40fa-a3f0-5a984e31190f" providerId="AD" clId="Web-{8B1A0611-2738-90E7-30FD-DDC523A84E33}"/>
+    <pc:docChg chg="addSld delSld modSld">
+      <pc:chgData name="Armin Kulla" userId="S::armin.kulla@fhbi.onmicrosoft.com::f767b528-e523-40fa-a3f0-5a984e31190f" providerId="AD" clId="Web-{8B1A0611-2738-90E7-30FD-DDC523A84E33}" dt="2020-07-10T13:43:10.858" v="71" actId="20577"/>
+      <pc:docMkLst>
+        <pc:docMk/>
+      </pc:docMkLst>
+      <pc:sldChg chg="modSp">
+        <pc:chgData name="Armin Kulla" userId="S::armin.kulla@fhbi.onmicrosoft.com::f767b528-e523-40fa-a3f0-5a984e31190f" providerId="AD" clId="Web-{8B1A0611-2738-90E7-30FD-DDC523A84E33}" dt="2020-07-10T13:43:10.858" v="71" actId="20577"/>
+        <pc:sldMkLst>
+          <pc:docMk/>
+          <pc:sldMk cId="2364716997" sldId="257"/>
+        </pc:sldMkLst>
+        <pc:spChg chg="mod">
+          <ac:chgData name="Armin Kulla" userId="S::armin.kulla@fhbi.onmicrosoft.com::f767b528-e523-40fa-a3f0-5a984e31190f" providerId="AD" clId="Web-{8B1A0611-2738-90E7-30FD-DDC523A84E33}" dt="2020-07-10T13:43:10.858" v="71" actId="20577"/>
+          <ac:spMkLst>
+            <pc:docMk/>
+            <pc:sldMk cId="2364716997" sldId="257"/>
+            <ac:spMk id="7" creationId="{44C913CB-14BD-4384-9641-33040C80466D}"/>
+          </ac:spMkLst>
+        </pc:spChg>
+      </pc:sldChg>
+      <pc:sldChg chg="addSp delSp modSp addAnim delAnim modAnim">
+        <pc:chgData name="Armin Kulla" userId="S::armin.kulla@fhbi.onmicrosoft.com::f767b528-e523-40fa-a3f0-5a984e31190f" providerId="AD" clId="Web-{8B1A0611-2738-90E7-30FD-DDC523A84E33}" dt="2020-07-10T13:38:59.481" v="54"/>
+        <pc:sldMkLst>
+          <pc:docMk/>
+          <pc:sldMk cId="1014118602" sldId="258"/>
+        </pc:sldMkLst>
+        <pc:spChg chg="add mod">
+          <ac:chgData name="Armin Kulla" userId="S::armin.kulla@fhbi.onmicrosoft.com::f767b528-e523-40fa-a3f0-5a984e31190f" providerId="AD" clId="Web-{8B1A0611-2738-90E7-30FD-DDC523A84E33}" dt="2020-07-10T13:31:00.210" v="11" actId="14100"/>
+          <ac:spMkLst>
+            <pc:docMk/>
+            <pc:sldMk cId="1014118602" sldId="258"/>
+            <ac:spMk id="3" creationId="{A763D330-300F-43D8-8B29-5D885B7B1C96}"/>
+          </ac:spMkLst>
+        </pc:spChg>
+        <pc:spChg chg="add mod">
+          <ac:chgData name="Armin Kulla" userId="S::armin.kulla@fhbi.onmicrosoft.com::f767b528-e523-40fa-a3f0-5a984e31190f" providerId="AD" clId="Web-{8B1A0611-2738-90E7-30FD-DDC523A84E33}" dt="2020-07-10T13:31:31.054" v="18" actId="14100"/>
+          <ac:spMkLst>
+            <pc:docMk/>
+            <pc:sldMk cId="1014118602" sldId="258"/>
+            <ac:spMk id="8" creationId="{0C6F69A2-EAE6-496E-B0FF-AC9E0590E68D}"/>
+          </ac:spMkLst>
+        </pc:spChg>
+        <pc:spChg chg="add del mod">
+          <ac:chgData name="Armin Kulla" userId="S::armin.kulla@fhbi.onmicrosoft.com::f767b528-e523-40fa-a3f0-5a984e31190f" providerId="AD" clId="Web-{8B1A0611-2738-90E7-30FD-DDC523A84E33}" dt="2020-07-10T13:33:37.368" v="34"/>
+          <ac:spMkLst>
+            <pc:docMk/>
+            <pc:sldMk cId="1014118602" sldId="258"/>
+            <ac:spMk id="10" creationId="{378DE11A-401B-47E4-9C22-0BCF5356C5BA}"/>
+          </ac:spMkLst>
+        </pc:spChg>
+        <pc:spChg chg="add del mod">
+          <ac:chgData name="Armin Kulla" userId="S::armin.kulla@fhbi.onmicrosoft.com::f767b528-e523-40fa-a3f0-5a984e31190f" providerId="AD" clId="Web-{8B1A0611-2738-90E7-30FD-DDC523A84E33}" dt="2020-07-10T13:32:21.258" v="29"/>
+          <ac:spMkLst>
+            <pc:docMk/>
+            <pc:sldMk cId="1014118602" sldId="258"/>
+            <ac:spMk id="12" creationId="{8BC170FE-A634-4B93-AFA2-343C6B7809C9}"/>
+          </ac:spMkLst>
+        </pc:spChg>
+      </pc:sldChg>
+      <pc:sldChg chg="addSp delSp modSp addAnim delAnim">
+        <pc:chgData name="Armin Kulla" userId="S::armin.kulla@fhbi.onmicrosoft.com::f767b528-e523-40fa-a3f0-5a984e31190f" providerId="AD" clId="Web-{8B1A0611-2738-90E7-30FD-DDC523A84E33}" dt="2020-07-10T13:34:25.306" v="43"/>
+        <pc:sldMkLst>
+          <pc:docMk/>
+          <pc:sldMk cId="500302294" sldId="264"/>
+        </pc:sldMkLst>
+        <pc:spChg chg="add del mod">
+          <ac:chgData name="Armin Kulla" userId="S::armin.kulla@fhbi.onmicrosoft.com::f767b528-e523-40fa-a3f0-5a984e31190f" providerId="AD" clId="Web-{8B1A0611-2738-90E7-30FD-DDC523A84E33}" dt="2020-07-10T13:34:25.306" v="43"/>
+          <ac:spMkLst>
+            <pc:docMk/>
+            <pc:sldMk cId="500302294" sldId="264"/>
+            <ac:spMk id="3" creationId="{999142E8-3268-41AD-A952-414CD2115FD8}"/>
+          </ac:spMkLst>
+        </pc:spChg>
+      </pc:sldChg>
+      <pc:sldChg chg="add del replId">
+        <pc:chgData name="Armin Kulla" userId="S::armin.kulla@fhbi.onmicrosoft.com::f767b528-e523-40fa-a3f0-5a984e31190f" providerId="AD" clId="Web-{8B1A0611-2738-90E7-30FD-DDC523A84E33}" dt="2020-07-10T13:33:47.509" v="36"/>
+        <pc:sldMkLst>
+          <pc:docMk/>
+          <pc:sldMk cId="3468571927" sldId="267"/>
+        </pc:sldMkLst>
+      </pc:sldChg>
+      <pc:sldChg chg="add del replId">
+        <pc:chgData name="Armin Kulla" userId="S::armin.kulla@fhbi.onmicrosoft.com::f767b528-e523-40fa-a3f0-5a984e31190f" providerId="AD" clId="Web-{8B1A0611-2738-90E7-30FD-DDC523A84E33}" dt="2020-07-10T13:33:31.305" v="33"/>
+        <pc:sldMkLst>
+          <pc:docMk/>
+          <pc:sldMk cId="3689483378" sldId="267"/>
+        </pc:sldMkLst>
+      </pc:sldChg>
+    </pc:docChg>
+  </pc:docChgLst>
+</pc:chgInfo>
 </file>
 
 <file path=ppt/handoutMasters/handoutMaster1.xml><?xml version="1.0" encoding="utf-8"?>
@@ -2412,7 +2517,7 @@
               </a14:hiddenLine>
             </a:ext>
             <a:ext uri="{FAA26D3D-D897-4be2-8F04-BA451C77F1D7}">
-              <ma14:placeholderFlag xmlns="" xmlns:ma14="http://schemas.microsoft.com/office/mac/drawingml/2011/main" val="1"/>
+              <ma14:placeholderFlag xmlns:ma14="http://schemas.microsoft.com/office/mac/drawingml/2011/main" xmlns="" val="1"/>
             </a:ext>
           </a:extLst>
         </p:spPr>
@@ -3220,9 +3325,12 @@
               <a:buChar char="•"/>
             </a:pPr>
             <a:r>
-              <a:rPr lang="de-DE" dirty="0"/>
-              <a:t>Luftverschmutzungswerte (PM10 &amp; PM2.5) aus den Jahren 2008-2017</a:t>
-            </a:r>
+              <a:rPr lang="de-DE" dirty="0">
+                <a:ea typeface="ＭＳ Ｐゴシック"/>
+              </a:rPr>
+              <a:t>Luftverschmutzungswerte (PM10/2.5) aus den Jahren 2008-2017</a:t>
+            </a:r>
+            <a:endParaRPr lang="de-DE" dirty="0"/>
           </a:p>
           <a:p>
             <a:pPr>
@@ -3237,8 +3345,10 @@
               <a:buChar char="•"/>
             </a:pPr>
             <a:r>
-              <a:rPr lang="de-DE" dirty="0"/>
-              <a:t>Aufgeschlüsselt nach Einkommen, Kontinent, Land, Stadt</a:t>
+              <a:rPr lang="de-DE" dirty="0">
+                <a:ea typeface="ＭＳ Ｐゴシック"/>
+              </a:rPr>
+              <a:t>Aufgeschlüsselt nach Kontinent, Land, Stadt, Einkommen</a:t>
             </a:r>
           </a:p>
           <a:p>
@@ -3512,6 +3622,159 @@
           </a:prstGeom>
         </p:spPr>
       </p:pic>
+      <p:sp>
+        <p:nvSpPr>
+          <p:cNvPr id="3" name="Rechteck 2">
+            <a:extLst>
+              <a:ext uri="{FF2B5EF4-FFF2-40B4-BE49-F238E27FC236}">
+                <a16:creationId xmlns:a16="http://schemas.microsoft.com/office/drawing/2014/main" id="{A763D330-300F-43D8-8B29-5D885B7B1C96}"/>
+              </a:ext>
+            </a:extLst>
+          </p:cNvPr>
+          <p:cNvSpPr/>
+          <p:nvPr/>
+        </p:nvSpPr>
+        <p:spPr>
+          <a:xfrm>
+            <a:off x="3425902" y="2446193"/>
+            <a:ext cx="2153466" cy="1960804"/>
+          </a:xfrm>
+          <a:prstGeom prst="rect">
+            <a:avLst/>
+          </a:prstGeom>
+          <a:noFill/>
+          <a:ln w="28575">
+            <a:solidFill>
+              <a:srgbClr val="4472C4"/>
+            </a:solidFill>
+          </a:ln>
+        </p:spPr>
+        <p:style>
+          <a:lnRef idx="1">
+            <a:schemeClr val="accent1"/>
+          </a:lnRef>
+          <a:fillRef idx="3">
+            <a:schemeClr val="accent1"/>
+          </a:fillRef>
+          <a:effectRef idx="2">
+            <a:schemeClr val="accent1"/>
+          </a:effectRef>
+          <a:fontRef idx="minor">
+            <a:schemeClr val="lt1"/>
+          </a:fontRef>
+        </p:style>
+        <p:txBody>
+          <a:bodyPr rtlCol="0" anchor="ctr"/>
+          <a:lstStyle/>
+          <a:p>
+            <a:pPr algn="ctr"/>
+            <a:endParaRPr lang="de-DE"/>
+          </a:p>
+        </p:txBody>
+      </p:sp>
+      <p:sp>
+        <p:nvSpPr>
+          <p:cNvPr id="8" name="Rechteck 7">
+            <a:extLst>
+              <a:ext uri="{FF2B5EF4-FFF2-40B4-BE49-F238E27FC236}">
+                <a16:creationId xmlns:a16="http://schemas.microsoft.com/office/drawing/2014/main" id="{0C6F69A2-EAE6-496E-B0FF-AC9E0590E68D}"/>
+              </a:ext>
+            </a:extLst>
+          </p:cNvPr>
+          <p:cNvSpPr/>
+          <p:nvPr/>
+        </p:nvSpPr>
+        <p:spPr>
+          <a:xfrm>
+            <a:off x="5635101" y="2447801"/>
+            <a:ext cx="2672186" cy="1960804"/>
+          </a:xfrm>
+          <a:prstGeom prst="rect">
+            <a:avLst/>
+          </a:prstGeom>
+          <a:noFill/>
+          <a:ln w="28575">
+            <a:solidFill>
+              <a:schemeClr val="accent5">
+                <a:lumMod val="40000"/>
+                <a:lumOff val="60000"/>
+              </a:schemeClr>
+            </a:solidFill>
+          </a:ln>
+        </p:spPr>
+        <p:style>
+          <a:lnRef idx="1">
+            <a:schemeClr val="accent1"/>
+          </a:lnRef>
+          <a:fillRef idx="3">
+            <a:schemeClr val="accent1"/>
+          </a:fillRef>
+          <a:effectRef idx="2">
+            <a:schemeClr val="accent1"/>
+          </a:effectRef>
+          <a:fontRef idx="minor">
+            <a:schemeClr val="lt1"/>
+          </a:fontRef>
+        </p:style>
+        <p:txBody>
+          <a:bodyPr rtlCol="0" anchor="ctr"/>
+          <a:lstStyle/>
+          <a:p>
+            <a:pPr algn="ctr"/>
+            <a:endParaRPr lang="de-DE"/>
+          </a:p>
+        </p:txBody>
+      </p:sp>
+      <p:sp>
+        <p:nvSpPr>
+          <p:cNvPr id="10" name="Rechteck 9">
+            <a:extLst>
+              <a:ext uri="{FF2B5EF4-FFF2-40B4-BE49-F238E27FC236}">
+                <a16:creationId xmlns:a16="http://schemas.microsoft.com/office/drawing/2014/main" id="{378DE11A-401B-47E4-9C22-0BCF5356C5BA}"/>
+              </a:ext>
+            </a:extLst>
+          </p:cNvPr>
+          <p:cNvSpPr/>
+          <p:nvPr/>
+        </p:nvSpPr>
+        <p:spPr>
+          <a:xfrm>
+            <a:off x="1525" y="3322392"/>
+            <a:ext cx="983325" cy="1056055"/>
+          </a:xfrm>
+          <a:prstGeom prst="rect">
+            <a:avLst/>
+          </a:prstGeom>
+          <a:noFill/>
+          <a:ln w="28575">
+            <a:solidFill>
+              <a:schemeClr val="accent5"/>
+            </a:solidFill>
+          </a:ln>
+        </p:spPr>
+        <p:style>
+          <a:lnRef idx="1">
+            <a:schemeClr val="accent1"/>
+          </a:lnRef>
+          <a:fillRef idx="3">
+            <a:schemeClr val="accent1"/>
+          </a:fillRef>
+          <a:effectRef idx="2">
+            <a:schemeClr val="accent1"/>
+          </a:effectRef>
+          <a:fontRef idx="minor">
+            <a:schemeClr val="lt1"/>
+          </a:fontRef>
+        </p:style>
+        <p:txBody>
+          <a:bodyPr rtlCol="0" anchor="ctr"/>
+          <a:lstStyle/>
+          <a:p>
+            <a:pPr algn="ctr"/>
+            <a:endParaRPr lang="de-DE"/>
+          </a:p>
+        </p:txBody>
+      </p:sp>
     </p:spTree>
     <p:extLst>
       <p:ext uri="{BB962C8B-B14F-4D97-AF65-F5344CB8AC3E}">
@@ -3522,6 +3785,176 @@
   <p:clrMapOvr>
     <a:masterClrMapping/>
   </p:clrMapOvr>
+  <p:timing>
+    <p:tnLst>
+      <p:par>
+        <p:cTn id="1" dur="indefinite" restart="never" nodeType="tmRoot">
+          <p:childTnLst>
+            <p:seq concurrent="1" nextAc="seek">
+              <p:cTn id="2" dur="indefinite" nodeType="mainSeq">
+                <p:childTnLst>
+                  <p:par>
+                    <p:cTn id="3" fill="hold">
+                      <p:stCondLst>
+                        <p:cond delay="indefinite"/>
+                      </p:stCondLst>
+                      <p:childTnLst>
+                        <p:par>
+                          <p:cTn id="4" fill="hold">
+                            <p:stCondLst>
+                              <p:cond delay="0"/>
+                            </p:stCondLst>
+                            <p:childTnLst>
+                              <p:par>
+                                <p:cTn id="5" presetID="1" presetClass="entr" presetSubtype="0" fill="hold" grpId="0" nodeType="clickEffect">
+                                  <p:stCondLst>
+                                    <p:cond delay="0"/>
+                                  </p:stCondLst>
+                                  <p:childTnLst>
+                                    <p:set>
+                                      <p:cBhvr>
+                                        <p:cTn id="6" dur="1" fill="hold">
+                                          <p:stCondLst>
+                                            <p:cond delay="0"/>
+                                          </p:stCondLst>
+                                        </p:cTn>
+                                        <p:tgtEl>
+                                          <p:spTgt spid="3"/>
+                                        </p:tgtEl>
+                                        <p:attrNameLst>
+                                          <p:attrName>style.visibility</p:attrName>
+                                        </p:attrNameLst>
+                                      </p:cBhvr>
+                                      <p:to>
+                                        <p:strVal val="visible"/>
+                                      </p:to>
+                                    </p:set>
+                                  </p:childTnLst>
+                                </p:cTn>
+                              </p:par>
+                            </p:childTnLst>
+                          </p:cTn>
+                        </p:par>
+                      </p:childTnLst>
+                    </p:cTn>
+                  </p:par>
+                  <p:par>
+                    <p:cTn id="7" fill="hold">
+                      <p:stCondLst>
+                        <p:cond delay="indefinite"/>
+                      </p:stCondLst>
+                      <p:childTnLst>
+                        <p:par>
+                          <p:cTn id="8" fill="hold">
+                            <p:stCondLst>
+                              <p:cond delay="0"/>
+                            </p:stCondLst>
+                            <p:childTnLst>
+                              <p:par>
+                                <p:cTn id="9" presetID="1" presetClass="entr" presetSubtype="0" fill="hold" grpId="0" nodeType="clickEffect">
+                                  <p:stCondLst>
+                                    <p:cond delay="0"/>
+                                  </p:stCondLst>
+                                  <p:childTnLst>
+                                    <p:set>
+                                      <p:cBhvr>
+                                        <p:cTn id="10" dur="1" fill="hold">
+                                          <p:stCondLst>
+                                            <p:cond delay="0"/>
+                                          </p:stCondLst>
+                                        </p:cTn>
+                                        <p:tgtEl>
+                                          <p:spTgt spid="8"/>
+                                        </p:tgtEl>
+                                        <p:attrNameLst>
+                                          <p:attrName>style.visibility</p:attrName>
+                                        </p:attrNameLst>
+                                      </p:cBhvr>
+                                      <p:to>
+                                        <p:strVal val="visible"/>
+                                      </p:to>
+                                    </p:set>
+                                  </p:childTnLst>
+                                </p:cTn>
+                              </p:par>
+                            </p:childTnLst>
+                          </p:cTn>
+                        </p:par>
+                      </p:childTnLst>
+                    </p:cTn>
+                  </p:par>
+                  <p:par>
+                    <p:cTn id="11" fill="hold">
+                      <p:stCondLst>
+                        <p:cond delay="indefinite"/>
+                      </p:stCondLst>
+                      <p:childTnLst>
+                        <p:par>
+                          <p:cTn id="12" fill="hold">
+                            <p:stCondLst>
+                              <p:cond delay="0"/>
+                            </p:stCondLst>
+                            <p:childTnLst>
+                              <p:par>
+                                <p:cTn id="13" presetID="1" presetClass="entr" presetSubtype="0" fill="hold" grpId="0" nodeType="clickEffect">
+                                  <p:stCondLst>
+                                    <p:cond delay="0"/>
+                                  </p:stCondLst>
+                                  <p:childTnLst>
+                                    <p:set>
+                                      <p:cBhvr>
+                                        <p:cTn id="14" dur="1" fill="hold">
+                                          <p:stCondLst>
+                                            <p:cond delay="0"/>
+                                          </p:stCondLst>
+                                        </p:cTn>
+                                        <p:tgtEl>
+                                          <p:spTgt spid="10"/>
+                                        </p:tgtEl>
+                                        <p:attrNameLst>
+                                          <p:attrName>style.visibility</p:attrName>
+                                        </p:attrNameLst>
+                                      </p:cBhvr>
+                                      <p:to>
+                                        <p:strVal val="visible"/>
+                                      </p:to>
+                                    </p:set>
+                                  </p:childTnLst>
+                                </p:cTn>
+                              </p:par>
+                            </p:childTnLst>
+                          </p:cTn>
+                        </p:par>
+                      </p:childTnLst>
+                    </p:cTn>
+                  </p:par>
+                </p:childTnLst>
+              </p:cTn>
+              <p:prevCondLst>
+                <p:cond evt="onPrev" delay="0">
+                  <p:tgtEl>
+                    <p:sldTgt/>
+                  </p:tgtEl>
+                </p:cond>
+              </p:prevCondLst>
+              <p:nextCondLst>
+                <p:cond evt="onNext" delay="0">
+                  <p:tgtEl>
+                    <p:sldTgt/>
+                  </p:tgtEl>
+                </p:cond>
+              </p:nextCondLst>
+            </p:seq>
+          </p:childTnLst>
+        </p:cTn>
+      </p:par>
+    </p:tnLst>
+    <p:bldLst>
+      <p:bldP spid="3" grpId="0" animBg="1"/>
+      <p:bldP spid="8" grpId="0" animBg="1"/>
+      <p:bldP spid="10" grpId="0" animBg="1"/>
+    </p:bldLst>
+  </p:timing>
 </p:sld>
 </file>
 
@@ -5654,21 +6087,21 @@
 </file>
 
 <file path=customXml/item1.xml><?xml version="1.0" encoding="utf-8"?>
+<?mso-contentType ?>
+<FormTemplates xmlns="http://schemas.microsoft.com/sharepoint/v3/contenttype/forms">
+  <Display>DocumentLibraryForm</Display>
+  <Edit>DocumentLibraryForm</Edit>
+  <New>DocumentLibraryForm</New>
+</FormTemplates>
+</file>
+
+<file path=customXml/item2.xml><?xml version="1.0" encoding="utf-8"?>
 <p:properties xmlns:p="http://schemas.microsoft.com/office/2006/metadata/properties" xmlns:xsi="http://www.w3.org/2001/XMLSchema-instance" xmlns:pc="http://schemas.microsoft.com/office/infopath/2007/PartnerControls">
   <documentManagement>
     <PublishingExpirationDate xmlns="http://schemas.microsoft.com/sharepoint/v3" xsi:nil="true"/>
     <PublishingStartDate xmlns="http://schemas.microsoft.com/sharepoint/v3" xsi:nil="true"/>
   </documentManagement>
 </p:properties>
-</file>
-
-<file path=customXml/item2.xml><?xml version="1.0" encoding="utf-8"?>
-<?mso-contentType ?>
-<FormTemplates xmlns="http://schemas.microsoft.com/sharepoint/v3/contenttype/forms">
-  <Display>DocumentLibraryForm</Display>
-  <Edit>DocumentLibraryForm</Edit>
-  <New>DocumentLibraryForm</New>
-</FormTemplates>
 </file>
 
 <file path=customXml/item3.xml><?xml version="1.0" encoding="utf-8"?>
@@ -5804,6 +6237,14 @@
 </file>
 
 <file path=customXml/itemProps1.xml><?xml version="1.0" encoding="utf-8"?>
+<ds:datastoreItem xmlns:ds="http://schemas.openxmlformats.org/officeDocument/2006/customXml" ds:itemID="{AB7D5C0A-FE65-4777-82AF-D685DD225982}">
+  <ds:schemaRefs>
+    <ds:schemaRef ds:uri="http://schemas.microsoft.com/sharepoint/v3/contenttype/forms"/>
+  </ds:schemaRefs>
+</ds:datastoreItem>
+</file>
+
+<file path=customXml/itemProps2.xml><?xml version="1.0" encoding="utf-8"?>
 <ds:datastoreItem xmlns:ds="http://schemas.openxmlformats.org/officeDocument/2006/customXml" ds:itemID="{E1941F1E-6F16-4904-8673-FDFB017F5F74}">
   <ds:schemaRefs>
     <ds:schemaRef ds:uri="http://schemas.microsoft.com/office/2006/metadata/properties"/>
@@ -5815,14 +6256,6 @@
     <ds:schemaRef ds:uri="http://purl.org/dc/terms/"/>
     <ds:schemaRef ds:uri="http://schemas.microsoft.com/sharepoint/v3"/>
     <ds:schemaRef ds:uri="http://www.w3.org/XML/1998/namespace"/>
-  </ds:schemaRefs>
-</ds:datastoreItem>
-</file>
-
-<file path=customXml/itemProps2.xml><?xml version="1.0" encoding="utf-8"?>
-<ds:datastoreItem xmlns:ds="http://schemas.openxmlformats.org/officeDocument/2006/customXml" ds:itemID="{AB7D5C0A-FE65-4777-82AF-D685DD225982}">
-  <ds:schemaRefs>
-    <ds:schemaRef ds:uri="http://schemas.microsoft.com/sharepoint/v3/contenttype/forms"/>
   </ds:schemaRefs>
 </ds:datastoreItem>
 </file>
